--- a/Newton1/documentacion/Presentation.pptx
+++ b/Newton1/documentacion/Presentation.pptx
@@ -5,7 +5,7 @@
     <p:sldMasterId id="2147483694" r:id="rId4"/>
   </p:sldMasterIdLst>
   <p:notesMasterIdLst>
-    <p:notesMasterId r:id="rId14"/>
+    <p:notesMasterId r:id="rId17"/>
   </p:notesMasterIdLst>
   <p:sldIdLst>
     <p:sldId id="256" r:id="rId5"/>
@@ -13,10 +13,13 @@
     <p:sldId id="258" r:id="rId7"/>
     <p:sldId id="259" r:id="rId8"/>
     <p:sldId id="260" r:id="rId9"/>
-    <p:sldId id="263" r:id="rId10"/>
-    <p:sldId id="264" r:id="rId11"/>
-    <p:sldId id="265" r:id="rId12"/>
-    <p:sldId id="266" r:id="rId13"/>
+    <p:sldId id="261" r:id="rId10"/>
+    <p:sldId id="262" r:id="rId11"/>
+    <p:sldId id="263" r:id="rId12"/>
+    <p:sldId id="264" r:id="rId13"/>
+    <p:sldId id="265" r:id="rId14"/>
+    <p:sldId id="266" r:id="rId15"/>
+    <p:sldId id="267" r:id="rId16"/>
   </p:sldIdLst>
   <p:sldSz cx="9144000" cy="6858000" type="screen4x3"/>
   <p:notesSz cx="6858000" cy="9144000"/>
@@ -116,390 +119,6 @@
     </a:lvl9pPr>
   </p:defaultTextStyle>
 </p:presentation>
-</file>
-
-<file path=ppt/charts/chart1.xml><?xml version="1.0" encoding="utf-8"?>
-<c:chartSpace xmlns:c="http://schemas.openxmlformats.org/drawingml/2006/chart" xmlns:a="http://schemas.openxmlformats.org/drawingml/2006/main" xmlns:r="http://schemas.openxmlformats.org/officeDocument/2006/relationships">
-  <c:date1904 val="1"/>
-  <c:lang val="es-ES"/>
-  <c:style val="34"/>
-  <c:chart>
-    <c:plotArea>
-      <c:layout/>
-      <c:barChart>
-        <c:barDir val="col"/>
-        <c:grouping val="clustered"/>
-        <c:ser>
-          <c:idx val="0"/>
-          <c:order val="0"/>
-          <c:tx>
-            <c:strRef>
-              <c:f>Hoja1!$B$1</c:f>
-              <c:strCache>
-                <c:ptCount val="1"/>
-                <c:pt idx="0">
-                  <c:v>Primero</c:v>
-                </c:pt>
-              </c:strCache>
-            </c:strRef>
-          </c:tx>
-          <c:cat>
-            <c:strRef>
-              <c:f>Hoja1!$A$2:$A$5</c:f>
-              <c:strCache>
-                <c:ptCount val="4"/>
-                <c:pt idx="0">
-                  <c:v>Prueba 1</c:v>
-                </c:pt>
-                <c:pt idx="1">
-                  <c:v>Prueba 2</c:v>
-                </c:pt>
-                <c:pt idx="2">
-                  <c:v>Prueba 3</c:v>
-                </c:pt>
-                <c:pt idx="3">
-                  <c:v>Prueba 4</c:v>
-                </c:pt>
-              </c:strCache>
-            </c:strRef>
-          </c:cat>
-          <c:val>
-            <c:numRef>
-              <c:f>Hoja1!$B$2:$B$5</c:f>
-              <c:numCache>
-                <c:formatCode>General</c:formatCode>
-                <c:ptCount val="4"/>
-                <c:pt idx="0">
-                  <c:v>20.399999999999999</c:v>
-                </c:pt>
-                <c:pt idx="1">
-                  <c:v>27.4</c:v>
-                </c:pt>
-                <c:pt idx="2">
-                  <c:v>90</c:v>
-                </c:pt>
-                <c:pt idx="3">
-                  <c:v>20.399999999999999</c:v>
-                </c:pt>
-              </c:numCache>
-            </c:numRef>
-          </c:val>
-        </c:ser>
-        <c:ser>
-          <c:idx val="1"/>
-          <c:order val="1"/>
-          <c:tx>
-            <c:strRef>
-              <c:f>Hoja1!$C$1</c:f>
-              <c:strCache>
-                <c:ptCount val="1"/>
-                <c:pt idx="0">
-                  <c:v>Segundo</c:v>
-                </c:pt>
-              </c:strCache>
-            </c:strRef>
-          </c:tx>
-          <c:cat>
-            <c:strRef>
-              <c:f>Hoja1!$A$2:$A$5</c:f>
-              <c:strCache>
-                <c:ptCount val="4"/>
-                <c:pt idx="0">
-                  <c:v>Prueba 1</c:v>
-                </c:pt>
-                <c:pt idx="1">
-                  <c:v>Prueba 2</c:v>
-                </c:pt>
-                <c:pt idx="2">
-                  <c:v>Prueba 3</c:v>
-                </c:pt>
-                <c:pt idx="3">
-                  <c:v>Prueba 4</c:v>
-                </c:pt>
-              </c:strCache>
-            </c:strRef>
-          </c:cat>
-          <c:val>
-            <c:numRef>
-              <c:f>Hoja1!$C$2:$C$5</c:f>
-              <c:numCache>
-                <c:formatCode>General</c:formatCode>
-                <c:ptCount val="4"/>
-                <c:pt idx="0">
-                  <c:v>30.6</c:v>
-                </c:pt>
-                <c:pt idx="1">
-                  <c:v>38.6</c:v>
-                </c:pt>
-                <c:pt idx="2">
-                  <c:v>34.6</c:v>
-                </c:pt>
-                <c:pt idx="3">
-                  <c:v>31.6</c:v>
-                </c:pt>
-              </c:numCache>
-            </c:numRef>
-          </c:val>
-        </c:ser>
-        <c:ser>
-          <c:idx val="2"/>
-          <c:order val="2"/>
-          <c:tx>
-            <c:strRef>
-              <c:f>Hoja1!$D$1</c:f>
-              <c:strCache>
-                <c:ptCount val="1"/>
-                <c:pt idx="0">
-                  <c:v>Tercero</c:v>
-                </c:pt>
-              </c:strCache>
-            </c:strRef>
-          </c:tx>
-          <c:cat>
-            <c:strRef>
-              <c:f>Hoja1!$A$2:$A$5</c:f>
-              <c:strCache>
-                <c:ptCount val="4"/>
-                <c:pt idx="0">
-                  <c:v>Prueba 1</c:v>
-                </c:pt>
-                <c:pt idx="1">
-                  <c:v>Prueba 2</c:v>
-                </c:pt>
-                <c:pt idx="2">
-                  <c:v>Prueba 3</c:v>
-                </c:pt>
-                <c:pt idx="3">
-                  <c:v>Prueba 4</c:v>
-                </c:pt>
-              </c:strCache>
-            </c:strRef>
-          </c:cat>
-          <c:val>
-            <c:numRef>
-              <c:f>Hoja1!$D$2:$D$5</c:f>
-              <c:numCache>
-                <c:formatCode>General</c:formatCode>
-                <c:ptCount val="4"/>
-                <c:pt idx="0">
-                  <c:v>45.9</c:v>
-                </c:pt>
-                <c:pt idx="1">
-                  <c:v>46.9</c:v>
-                </c:pt>
-                <c:pt idx="2">
-                  <c:v>45</c:v>
-                </c:pt>
-                <c:pt idx="3">
-                  <c:v>43.9</c:v>
-                </c:pt>
-              </c:numCache>
-            </c:numRef>
-          </c:val>
-        </c:ser>
-        <c:axId val="128068224"/>
-        <c:axId val="140716672"/>
-      </c:barChart>
-      <c:catAx>
-        <c:axId val="128068224"/>
-        <c:scaling>
-          <c:orientation val="minMax"/>
-        </c:scaling>
-        <c:axPos val="b"/>
-        <c:tickLblPos val="nextTo"/>
-        <c:txPr>
-          <a:bodyPr/>
-          <a:lstStyle/>
-          <a:p>
-            <a:pPr>
-              <a:defRPr lang="es-ES"/>
-            </a:pPr>
-            <a:endParaRPr lang="es-ES"/>
-          </a:p>
-        </c:txPr>
-        <c:crossAx val="140716672"/>
-        <c:crosses val="autoZero"/>
-        <c:auto val="1"/>
-        <c:lblAlgn val="ctr"/>
-        <c:lblOffset val="100"/>
-      </c:catAx>
-      <c:valAx>
-        <c:axId val="140716672"/>
-        <c:scaling>
-          <c:orientation val="minMax"/>
-        </c:scaling>
-        <c:axPos val="l"/>
-        <c:majorGridlines/>
-        <c:numFmt formatCode="General" sourceLinked="1"/>
-        <c:tickLblPos val="nextTo"/>
-        <c:txPr>
-          <a:bodyPr/>
-          <a:lstStyle/>
-          <a:p>
-            <a:pPr>
-              <a:defRPr lang="es-ES"/>
-            </a:pPr>
-            <a:endParaRPr lang="es-ES"/>
-          </a:p>
-        </c:txPr>
-        <c:crossAx val="128068224"/>
-        <c:crosses val="autoZero"/>
-        <c:crossBetween val="between"/>
-      </c:valAx>
-    </c:plotArea>
-    <c:legend>
-      <c:legendPos val="r"/>
-      <c:layout/>
-      <c:txPr>
-        <a:bodyPr/>
-        <a:lstStyle/>
-        <a:p>
-          <a:pPr>
-            <a:defRPr lang="es-ES"/>
-          </a:pPr>
-          <a:endParaRPr lang="es-ES"/>
-        </a:p>
-      </c:txPr>
-    </c:legend>
-    <c:plotVisOnly val="1"/>
-  </c:chart>
-  <c:spPr>
-    <a:ln>
-      <a:noFill/>
-    </a:ln>
-  </c:spPr>
-  <c:txPr>
-    <a:bodyPr/>
-    <a:lstStyle/>
-    <a:p>
-      <a:pPr>
-        <a:defRPr sz="1800"/>
-      </a:pPr>
-      <a:endParaRPr lang="es-ES"/>
-    </a:p>
-  </c:txPr>
-  <c:externalData r:id="rId1"/>
-</c:chartSpace>
-</file>
-
-<file path=ppt/charts/chart2.xml><?xml version="1.0" encoding="utf-8"?>
-<c:chartSpace xmlns:c="http://schemas.openxmlformats.org/drawingml/2006/chart" xmlns:a="http://schemas.openxmlformats.org/drawingml/2006/main" xmlns:r="http://schemas.openxmlformats.org/officeDocument/2006/relationships">
-  <c:date1904 val="1"/>
-  <c:lang val="es-ES"/>
-  <c:style val="34"/>
-  <c:chart>
-    <c:title>
-      <c:layout/>
-      <c:txPr>
-        <a:bodyPr/>
-        <a:lstStyle/>
-        <a:p>
-          <a:pPr>
-            <a:defRPr lang="es-ES"/>
-          </a:pPr>
-          <a:endParaRPr lang="es-ES"/>
-        </a:p>
-      </c:txPr>
-    </c:title>
-    <c:view3D>
-      <c:rotX val="30"/>
-      <c:perspective val="30"/>
-    </c:view3D>
-    <c:plotArea>
-      <c:layout/>
-      <c:pie3DChart>
-        <c:varyColors val="1"/>
-        <c:ser>
-          <c:idx val="0"/>
-          <c:order val="0"/>
-          <c:tx>
-            <c:strRef>
-              <c:f>Hoja1!$B$1</c:f>
-              <c:strCache>
-                <c:ptCount val="1"/>
-                <c:pt idx="0">
-                  <c:v>Proyecto</c:v>
-                </c:pt>
-              </c:strCache>
-            </c:strRef>
-          </c:tx>
-          <c:cat>
-            <c:strRef>
-              <c:f>Hoja1!$A$2:$A$5</c:f>
-              <c:strCache>
-                <c:ptCount val="4"/>
-                <c:pt idx="0">
-                  <c:v>Elemento 1</c:v>
-                </c:pt>
-                <c:pt idx="1">
-                  <c:v>Elemento 2</c:v>
-                </c:pt>
-                <c:pt idx="2">
-                  <c:v>Elemento 3</c:v>
-                </c:pt>
-                <c:pt idx="3">
-                  <c:v>Elemento 4</c:v>
-                </c:pt>
-              </c:strCache>
-            </c:strRef>
-          </c:cat>
-          <c:val>
-            <c:numRef>
-              <c:f>Hoja1!$B$2:$B$5</c:f>
-              <c:numCache>
-                <c:formatCode>General</c:formatCode>
-                <c:ptCount val="4"/>
-                <c:pt idx="0">
-                  <c:v>8.2000000000000011</c:v>
-                </c:pt>
-                <c:pt idx="1">
-                  <c:v>3.2</c:v>
-                </c:pt>
-                <c:pt idx="2">
-                  <c:v>1.4</c:v>
-                </c:pt>
-                <c:pt idx="3">
-                  <c:v>1.2</c:v>
-                </c:pt>
-              </c:numCache>
-            </c:numRef>
-          </c:val>
-        </c:ser>
-      </c:pie3DChart>
-    </c:plotArea>
-    <c:legend>
-      <c:legendPos val="r"/>
-      <c:layout/>
-      <c:txPr>
-        <a:bodyPr/>
-        <a:lstStyle/>
-        <a:p>
-          <a:pPr>
-            <a:defRPr lang="es-ES"/>
-          </a:pPr>
-          <a:endParaRPr lang="es-ES"/>
-        </a:p>
-      </c:txPr>
-    </c:legend>
-    <c:plotVisOnly val="1"/>
-  </c:chart>
-  <c:spPr>
-    <a:ln>
-      <a:noFill/>
-    </a:ln>
-  </c:spPr>
-  <c:txPr>
-    <a:bodyPr/>
-    <a:lstStyle/>
-    <a:p>
-      <a:pPr>
-        <a:defRPr sz="1800"/>
-      </a:pPr>
-      <a:endParaRPr lang="es-ES"/>
-    </a:p>
-  </c:txPr>
-  <c:externalData r:id="rId1"/>
-</c:chartSpace>
 </file>
 
 <file path=ppt/notesMasters/notesMaster1.xml><?xml version="1.0" encoding="utf-8"?>
@@ -932,6 +551,252 @@
 </p:notes>
 </file>
 
+<file path=ppt/notesSlides/notesSlide10.xml><?xml version="1.0" encoding="utf-8"?>
+<p:notes xmlns:a="http://schemas.openxmlformats.org/drawingml/2006/main" xmlns:r="http://schemas.openxmlformats.org/officeDocument/2006/relationships" xmlns:p="http://schemas.openxmlformats.org/presentationml/2006/main">
+  <p:cSld>
+    <p:spTree>
+      <p:nvGrpSpPr>
+        <p:cNvPr id="1" name=""/>
+        <p:cNvGrpSpPr/>
+        <p:nvPr/>
+      </p:nvGrpSpPr>
+      <p:grpSpPr>
+        <a:xfrm>
+          <a:off x="0" y="0"/>
+          <a:ext cx="0" cy="0"/>
+          <a:chOff x="0" y="0"/>
+          <a:chExt cx="0" cy="0"/>
+        </a:xfrm>
+      </p:grpSpPr>
+      <p:sp>
+        <p:nvSpPr>
+          <p:cNvPr id="2" name="Slide Image Placeholder 1"/>
+          <p:cNvSpPr>
+            <a:spLocks noGrp="1" noRot="1" noChangeAspect="1"/>
+          </p:cNvSpPr>
+          <p:nvPr>
+            <p:ph type="sldImg"/>
+          </p:nvPr>
+        </p:nvSpPr>
+        <p:spPr/>
+      </p:sp>
+      <p:sp>
+        <p:nvSpPr>
+          <p:cNvPr id="3" name="Notes Placeholder 2"/>
+          <p:cNvSpPr>
+            <a:spLocks noGrp="1"/>
+          </p:cNvSpPr>
+          <p:nvPr>
+            <p:ph type="body" idx="1"/>
+          </p:nvPr>
+        </p:nvSpPr>
+        <p:spPr/>
+        <p:txBody>
+          <a:bodyPr>
+            <a:normAutofit/>
+          </a:bodyPr>
+          <a:lstStyle/>
+          <a:p>
+            <a:endParaRPr lang="es-ES"/>
+          </a:p>
+        </p:txBody>
+      </p:sp>
+      <p:sp>
+        <p:nvSpPr>
+          <p:cNvPr id="4" name="Slide Number Placeholder 3"/>
+          <p:cNvSpPr>
+            <a:spLocks noGrp="1"/>
+          </p:cNvSpPr>
+          <p:nvPr>
+            <p:ph type="sldNum" sz="quarter" idx="10"/>
+          </p:nvPr>
+        </p:nvSpPr>
+        <p:spPr/>
+        <p:txBody>
+          <a:bodyPr/>
+          <a:lstStyle/>
+          <a:p>
+            <a:fld id="{A5D78FC6-CE17-4259-A63C-DDFC12E048FC}" type="slidenum">
+              <a:rPr lang="es-ES" smtClean="0"/>
+              <a:pPr/>
+              <a:t>10</a:t>
+            </a:fld>
+            <a:endParaRPr lang="es-ES"/>
+          </a:p>
+        </p:txBody>
+      </p:sp>
+    </p:spTree>
+  </p:cSld>
+  <p:clrMapOvr>
+    <a:masterClrMapping/>
+  </p:clrMapOvr>
+</p:notes>
+</file>
+
+<file path=ppt/notesSlides/notesSlide11.xml><?xml version="1.0" encoding="utf-8"?>
+<p:notes xmlns:a="http://schemas.openxmlformats.org/drawingml/2006/main" xmlns:r="http://schemas.openxmlformats.org/officeDocument/2006/relationships" xmlns:p="http://schemas.openxmlformats.org/presentationml/2006/main">
+  <p:cSld>
+    <p:spTree>
+      <p:nvGrpSpPr>
+        <p:cNvPr id="1" name=""/>
+        <p:cNvGrpSpPr/>
+        <p:nvPr/>
+      </p:nvGrpSpPr>
+      <p:grpSpPr>
+        <a:xfrm>
+          <a:off x="0" y="0"/>
+          <a:ext cx="0" cy="0"/>
+          <a:chOff x="0" y="0"/>
+          <a:chExt cx="0" cy="0"/>
+        </a:xfrm>
+      </p:grpSpPr>
+      <p:sp>
+        <p:nvSpPr>
+          <p:cNvPr id="2" name="Slide Image Placeholder 1"/>
+          <p:cNvSpPr>
+            <a:spLocks noGrp="1" noRot="1" noChangeAspect="1"/>
+          </p:cNvSpPr>
+          <p:nvPr>
+            <p:ph type="sldImg"/>
+          </p:nvPr>
+        </p:nvSpPr>
+        <p:spPr/>
+      </p:sp>
+      <p:sp>
+        <p:nvSpPr>
+          <p:cNvPr id="3" name="Notes Placeholder 2"/>
+          <p:cNvSpPr>
+            <a:spLocks noGrp="1"/>
+          </p:cNvSpPr>
+          <p:nvPr>
+            <p:ph type="body" idx="1"/>
+          </p:nvPr>
+        </p:nvSpPr>
+        <p:spPr/>
+        <p:txBody>
+          <a:bodyPr>
+            <a:normAutofit/>
+          </a:bodyPr>
+          <a:lstStyle/>
+          <a:p>
+            <a:endParaRPr lang="es-ES"/>
+          </a:p>
+        </p:txBody>
+      </p:sp>
+      <p:sp>
+        <p:nvSpPr>
+          <p:cNvPr id="4" name="Slide Number Placeholder 3"/>
+          <p:cNvSpPr>
+            <a:spLocks noGrp="1"/>
+          </p:cNvSpPr>
+          <p:nvPr>
+            <p:ph type="sldNum" sz="quarter" idx="10"/>
+          </p:nvPr>
+        </p:nvSpPr>
+        <p:spPr/>
+        <p:txBody>
+          <a:bodyPr/>
+          <a:lstStyle/>
+          <a:p>
+            <a:fld id="{A5D78FC6-CE17-4259-A63C-DDFC12E048FC}" type="slidenum">
+              <a:rPr lang="es-ES" smtClean="0"/>
+              <a:pPr/>
+              <a:t>11</a:t>
+            </a:fld>
+            <a:endParaRPr lang="es-ES"/>
+          </a:p>
+        </p:txBody>
+      </p:sp>
+    </p:spTree>
+  </p:cSld>
+  <p:clrMapOvr>
+    <a:masterClrMapping/>
+  </p:clrMapOvr>
+</p:notes>
+</file>
+
+<file path=ppt/notesSlides/notesSlide12.xml><?xml version="1.0" encoding="utf-8"?>
+<p:notes xmlns:a="http://schemas.openxmlformats.org/drawingml/2006/main" xmlns:r="http://schemas.openxmlformats.org/officeDocument/2006/relationships" xmlns:p="http://schemas.openxmlformats.org/presentationml/2006/main">
+  <p:cSld>
+    <p:spTree>
+      <p:nvGrpSpPr>
+        <p:cNvPr id="1" name=""/>
+        <p:cNvGrpSpPr/>
+        <p:nvPr/>
+      </p:nvGrpSpPr>
+      <p:grpSpPr>
+        <a:xfrm>
+          <a:off x="0" y="0"/>
+          <a:ext cx="0" cy="0"/>
+          <a:chOff x="0" y="0"/>
+          <a:chExt cx="0" cy="0"/>
+        </a:xfrm>
+      </p:grpSpPr>
+      <p:sp>
+        <p:nvSpPr>
+          <p:cNvPr id="2" name="Slide Image Placeholder 1"/>
+          <p:cNvSpPr>
+            <a:spLocks noGrp="1" noRot="1" noChangeAspect="1"/>
+          </p:cNvSpPr>
+          <p:nvPr>
+            <p:ph type="sldImg"/>
+          </p:nvPr>
+        </p:nvSpPr>
+        <p:spPr/>
+      </p:sp>
+      <p:sp>
+        <p:nvSpPr>
+          <p:cNvPr id="3" name="Notes Placeholder 2"/>
+          <p:cNvSpPr>
+            <a:spLocks noGrp="1"/>
+          </p:cNvSpPr>
+          <p:nvPr>
+            <p:ph type="body" idx="1"/>
+          </p:nvPr>
+        </p:nvSpPr>
+        <p:spPr/>
+        <p:txBody>
+          <a:bodyPr>
+            <a:normAutofit/>
+          </a:bodyPr>
+          <a:lstStyle/>
+          <a:p>
+            <a:endParaRPr lang="es-ES"/>
+          </a:p>
+        </p:txBody>
+      </p:sp>
+      <p:sp>
+        <p:nvSpPr>
+          <p:cNvPr id="4" name="Slide Number Placeholder 3"/>
+          <p:cNvSpPr>
+            <a:spLocks noGrp="1"/>
+          </p:cNvSpPr>
+          <p:nvPr>
+            <p:ph type="sldNum" sz="quarter" idx="10"/>
+          </p:nvPr>
+        </p:nvSpPr>
+        <p:spPr/>
+        <p:txBody>
+          <a:bodyPr/>
+          <a:lstStyle/>
+          <a:p>
+            <a:fld id="{A5D78FC6-CE17-4259-A63C-DDFC12E048FC}" type="slidenum">
+              <a:rPr lang="es-ES" smtClean="0"/>
+              <a:pPr/>
+              <a:t>12</a:t>
+            </a:fld>
+            <a:endParaRPr lang="es-ES"/>
+          </a:p>
+        </p:txBody>
+      </p:sp>
+    </p:spTree>
+  </p:cSld>
+  <p:clrMapOvr>
+    <a:masterClrMapping/>
+  </p:clrMapOvr>
+</p:notes>
+</file>
+
 <file path=ppt/notesSlides/notesSlide2.xml><?xml version="1.0" encoding="utf-8"?>
 <p:notes xmlns:a="http://schemas.openxmlformats.org/drawingml/2006/main" xmlns:r="http://schemas.openxmlformats.org/officeDocument/2006/relationships" xmlns:p="http://schemas.openxmlformats.org/presentationml/2006/main">
   <p:cSld>
@@ -2091,7 +1956,7 @@
                 </a:solidFill>
               </a:rPr>
               <a:pPr/>
-              <a:t>22/06/2011 18:42</a:t>
+              <a:t>22/06/2011 20:01</a:t>
             </a:fld>
             <a:endParaRPr lang="es-ES"/>
           </a:p>
@@ -2286,7 +2151,7 @@
                 </a:solidFill>
               </a:rPr>
               <a:pPr/>
-              <a:t>22/06/2011 18:42</a:t>
+              <a:t>22/06/2011 20:01</a:t>
             </a:fld>
             <a:endParaRPr lang="es-ES"/>
           </a:p>
@@ -4727,7 +4592,7 @@
                 </a:solidFill>
               </a:rPr>
               <a:pPr/>
-              <a:t>22/06/2011 18:42</a:t>
+              <a:t>22/06/2011 20:01</a:t>
             </a:fld>
             <a:endParaRPr lang="es-ES" sz="1400">
               <a:solidFill>
@@ -5308,25 +5173,17 @@
           <a:lstStyle/>
           <a:p>
             <a:r>
-              <a:rPr lang="es-ES" dirty="0" err="1" smtClean="0"/>
-              <a:t>Newton’s</a:t>
-            </a:r>
-            <a:r>
-              <a:rPr lang="es-ES" dirty="0" smtClean="0"/>
-              <a:t> </a:t>
-            </a:r>
-            <a:r>
-              <a:rPr lang="es-ES" dirty="0" err="1" smtClean="0"/>
-              <a:t>cradle</a:t>
-            </a:r>
-            <a:r>
-              <a:rPr lang="es-ES" sz="3600" dirty="0"/>
+              <a:rPr lang="en-US" dirty="0" smtClean="0"/>
+              <a:t>Newton’s cradle</a:t>
+            </a:r>
+            <a:r>
+              <a:rPr lang="en-US" sz="3600" dirty="0" smtClean="0"/>
               <a:t/>
             </a:r>
             <a:br>
-              <a:rPr lang="es-ES" sz="3600" dirty="0"/>
+              <a:rPr lang="en-US" sz="3600" dirty="0" smtClean="0"/>
             </a:br>
-            <a:endParaRPr lang="es-ES" dirty="0"/>
+            <a:endParaRPr lang="en-US" dirty="0"/>
           </a:p>
         </p:txBody>
       </p:sp>
@@ -5353,20 +5210,32 @@
           <a:lstStyle/>
           <a:p>
             <a:r>
-              <a:rPr lang="es-ES" cap="all" dirty="0" smtClean="0"/>
-              <a:t>Cadenas Quijano, Patricia</a:t>
-            </a:r>
-          </a:p>
-          <a:p>
-            <a:r>
-              <a:rPr lang="es-ES" cap="all" dirty="0" err="1" smtClean="0"/>
-              <a:t>Cotrina</a:t>
-            </a:r>
-            <a:r>
-              <a:rPr lang="es-ES" cap="all" dirty="0" smtClean="0"/>
-              <a:t> Fernández, Manuel</a:t>
-            </a:r>
-            <a:endParaRPr lang="es-ES" cap="all" dirty="0"/>
+              <a:rPr lang="en-US" cap="all" dirty="0" err="1" smtClean="0"/>
+              <a:t>Cadenas</a:t>
+            </a:r>
+            <a:r>
+              <a:rPr lang="en-US" cap="all" smtClean="0"/>
+              <a:t> Quijano, Patricia</a:t>
+            </a:r>
+          </a:p>
+          <a:p>
+            <a:r>
+              <a:rPr lang="en-US" cap="all" smtClean="0"/>
+              <a:t>Cotrina </a:t>
+            </a:r>
+            <a:r>
+              <a:rPr lang="en-US" cap="all" smtClean="0"/>
+              <a:t>Fernández</a:t>
+            </a:r>
+            <a:r>
+              <a:rPr lang="en-US" cap="all" smtClean="0"/>
+              <a:t>, </a:t>
+            </a:r>
+            <a:r>
+              <a:rPr lang="en-US" cap="all" smtClean="0"/>
+              <a:t>Manuel</a:t>
+            </a:r>
+            <a:endParaRPr lang="en-US" cap="all"/>
           </a:p>
         </p:txBody>
       </p:sp>
@@ -5399,11 +5268,11 @@
               </a:lnSpc>
             </a:pPr>
             <a:r>
-              <a:rPr lang="es-ES" sz="1200" cap="all" dirty="0" smtClean="0"/>
+              <a:rPr lang="en-US" sz="1200" cap="all" smtClean="0"/>
               <a:t>García </a:t>
             </a:r>
             <a:r>
-              <a:rPr lang="es-ES" sz="1200" cap="all" dirty="0" smtClean="0">
+              <a:rPr lang="en-US" sz="1200" cap="all" smtClean="0">
                 <a:solidFill>
                   <a:srgbClr val="FFFFFF"/>
                 </a:solidFill>
@@ -5411,9 +5280,14 @@
               <a:t>Tomillo</a:t>
             </a:r>
             <a:r>
-              <a:rPr lang="es-ES" sz="1200" cap="all" dirty="0" smtClean="0"/>
-              <a:t>, Javier</a:t>
-            </a:r>
+              <a:rPr lang="en-US" sz="1200" cap="all" smtClean="0"/>
+              <a:t>, </a:t>
+            </a:r>
+            <a:r>
+              <a:rPr lang="en-US" sz="1200" cap="all" smtClean="0"/>
+              <a:t>Javier</a:t>
+            </a:r>
+            <a:endParaRPr lang="en-US" sz="1200" cap="all" smtClean="0"/>
           </a:p>
           <a:p>
             <a:pPr>
@@ -5422,14 +5296,22 @@
               </a:lnSpc>
             </a:pPr>
             <a:r>
-              <a:rPr lang="es-ES" sz="1200" cap="all" dirty="0" err="1" smtClean="0"/>
-              <a:t>Hijarrubia</a:t>
-            </a:r>
-            <a:r>
-              <a:rPr lang="es-ES" sz="1200" cap="all" dirty="0" smtClean="0"/>
-              <a:t> Bernal, Luis</a:t>
-            </a:r>
-            <a:endParaRPr lang="es-ES" sz="1200" cap="all" dirty="0"/>
+              <a:rPr lang="en-US" sz="1200" cap="all" smtClean="0"/>
+              <a:t>Hijarrubia </a:t>
+            </a:r>
+            <a:r>
+              <a:rPr lang="en-US" sz="1200" cap="all" smtClean="0"/>
+              <a:t>Bernal</a:t>
+            </a:r>
+            <a:r>
+              <a:rPr lang="en-US" sz="1200" cap="all" smtClean="0"/>
+              <a:t>, </a:t>
+            </a:r>
+            <a:r>
+              <a:rPr lang="en-US" sz="1200" cap="all" smtClean="0"/>
+              <a:t>Luis</a:t>
+            </a:r>
+            <a:endParaRPr lang="en-US" sz="1200" cap="all"/>
           </a:p>
         </p:txBody>
       </p:sp>
@@ -5456,26 +5338,18 @@
           <a:lstStyle/>
           <a:p>
             <a:r>
-              <a:rPr lang="es-ES" sz="2400" dirty="0" err="1" smtClean="0"/>
+              <a:rPr lang="en-US" sz="2400" smtClean="0"/>
               <a:t>An</a:t>
             </a:r>
             <a:r>
-              <a:rPr lang="es-ES" sz="2400" dirty="0" smtClean="0"/>
-              <a:t> </a:t>
-            </a:r>
-            <a:r>
-              <a:rPr lang="es-ES" sz="2400" dirty="0" err="1" smtClean="0"/>
-              <a:t>OpenGL</a:t>
-            </a:r>
-            <a:r>
-              <a:rPr lang="es-ES" sz="2400" dirty="0" smtClean="0"/>
-              <a:t> </a:t>
-            </a:r>
-            <a:r>
-              <a:rPr lang="es-ES" sz="2400" dirty="0" err="1" smtClean="0"/>
+              <a:rPr lang="en-US" sz="2400" smtClean="0"/>
+              <a:t> OpenGL </a:t>
+            </a:r>
+            <a:r>
+              <a:rPr lang="en-US" sz="2400" smtClean="0"/>
               <a:t>Application</a:t>
             </a:r>
-            <a:endParaRPr lang="es-ES" sz="2400" dirty="0"/>
+            <a:endParaRPr lang="en-US" sz="2400"/>
           </a:p>
         </p:txBody>
       </p:sp>
@@ -5546,6 +5420,297 @@
   <p:clrMapOvr>
     <a:masterClrMapping/>
   </p:clrMapOvr>
+  <p:timing>
+    <p:tnLst>
+      <p:par>
+        <p:cTn id="1" dur="indefinite" restart="never" nodeType="tmRoot"/>
+      </p:par>
+    </p:tnLst>
+  </p:timing>
+</p:sld>
+</file>
+
+<file path=ppt/slides/slide10.xml><?xml version="1.0" encoding="utf-8"?>
+<p:sld xmlns:a="http://schemas.openxmlformats.org/drawingml/2006/main" xmlns:r="http://schemas.openxmlformats.org/officeDocument/2006/relationships" xmlns:p="http://schemas.openxmlformats.org/presentationml/2006/main">
+  <p:cSld>
+    <p:spTree>
+      <p:nvGrpSpPr>
+        <p:cNvPr id="1" name=""/>
+        <p:cNvGrpSpPr/>
+        <p:nvPr/>
+      </p:nvGrpSpPr>
+      <p:grpSpPr>
+        <a:xfrm>
+          <a:off x="0" y="0"/>
+          <a:ext cx="0" cy="0"/>
+          <a:chOff x="0" y="0"/>
+          <a:chExt cx="0" cy="0"/>
+        </a:xfrm>
+      </p:grpSpPr>
+      <p:sp>
+        <p:nvSpPr>
+          <p:cNvPr id="2" name="Rectangle 1"/>
+          <p:cNvSpPr>
+            <a:spLocks noGrp="1"/>
+          </p:cNvSpPr>
+          <p:nvPr>
+            <p:ph type="title"/>
+          </p:nvPr>
+        </p:nvSpPr>
+        <p:spPr/>
+        <p:txBody>
+          <a:bodyPr/>
+          <a:lstStyle/>
+          <a:p>
+            <a:r>
+              <a:rPr smtClean="0"/>
+              <a:t>Demo!</a:t>
+            </a:r>
+            <a:endParaRPr lang="es-ES" dirty="0"/>
+          </a:p>
+        </p:txBody>
+      </p:sp>
+      <p:pic>
+        <p:nvPicPr>
+          <p:cNvPr id="1026" name="Picture 2"/>
+          <p:cNvPicPr>
+            <a:picLocks noGrp="1" noChangeAspect="1" noChangeArrowheads="1"/>
+          </p:cNvPicPr>
+          <p:nvPr>
+            <p:ph sz="quarter" idx="1"/>
+          </p:nvPr>
+        </p:nvPicPr>
+        <p:blipFill>
+          <a:blip r:embed="rId3"/>
+          <a:srcRect/>
+          <a:stretch>
+            <a:fillRect/>
+          </a:stretch>
+        </p:blipFill>
+        <p:spPr bwMode="auto">
+          <a:xfrm>
+            <a:off x="1677957" y="1643050"/>
+            <a:ext cx="5894439" cy="5060783"/>
+          </a:xfrm>
+          <a:prstGeom prst="rect">
+            <a:avLst/>
+          </a:prstGeom>
+          <a:noFill/>
+          <a:ln w="9525">
+            <a:noFill/>
+            <a:miter lim="800000"/>
+            <a:headEnd/>
+            <a:tailEnd/>
+          </a:ln>
+          <a:effectLst/>
+        </p:spPr>
+      </p:pic>
+    </p:spTree>
+  </p:cSld>
+  <p:clrMapOvr>
+    <a:masterClrMapping/>
+  </p:clrMapOvr>
+  <p:timing>
+    <p:tnLst>
+      <p:par>
+        <p:cTn id="1" dur="indefinite" restart="never" nodeType="tmRoot"/>
+      </p:par>
+    </p:tnLst>
+  </p:timing>
+</p:sld>
+</file>
+
+<file path=ppt/slides/slide11.xml><?xml version="1.0" encoding="utf-8"?>
+<p:sld xmlns:a="http://schemas.openxmlformats.org/drawingml/2006/main" xmlns:r="http://schemas.openxmlformats.org/officeDocument/2006/relationships" xmlns:p="http://schemas.openxmlformats.org/presentationml/2006/main">
+  <p:cSld>
+    <p:spTree>
+      <p:nvGrpSpPr>
+        <p:cNvPr id="1" name=""/>
+        <p:cNvGrpSpPr/>
+        <p:nvPr/>
+      </p:nvGrpSpPr>
+      <p:grpSpPr>
+        <a:xfrm>
+          <a:off x="0" y="0"/>
+          <a:ext cx="0" cy="0"/>
+          <a:chOff x="0" y="0"/>
+          <a:chExt cx="0" cy="0"/>
+        </a:xfrm>
+      </p:grpSpPr>
+      <p:sp>
+        <p:nvSpPr>
+          <p:cNvPr id="2" name="Rectangle 1"/>
+          <p:cNvSpPr>
+            <a:spLocks noGrp="1"/>
+          </p:cNvSpPr>
+          <p:nvPr>
+            <p:ph type="title"/>
+          </p:nvPr>
+        </p:nvSpPr>
+        <p:spPr/>
+        <p:txBody>
+          <a:bodyPr/>
+          <a:lstStyle/>
+          <a:p>
+            <a:r>
+              <a:rPr lang="es-ES" dirty="0" err="1" smtClean="0"/>
+              <a:t>Conclusions</a:t>
+            </a:r>
+            <a:endParaRPr lang="es-ES" dirty="0"/>
+          </a:p>
+        </p:txBody>
+      </p:sp>
+      <p:sp>
+        <p:nvSpPr>
+          <p:cNvPr id="4" name="3 Marcador de contenido"/>
+          <p:cNvSpPr>
+            <a:spLocks noGrp="1"/>
+          </p:cNvSpPr>
+          <p:nvPr>
+            <p:ph sz="quarter" idx="1"/>
+          </p:nvPr>
+        </p:nvSpPr>
+        <p:spPr/>
+        <p:txBody>
+          <a:bodyPr/>
+          <a:lstStyle/>
+          <a:p>
+            <a:r>
+              <a:rPr lang="en-US" dirty="0" smtClean="0"/>
+              <a:t>Acquired </a:t>
+            </a:r>
+            <a:r>
+              <a:rPr lang="en-US" dirty="0" smtClean="0"/>
+              <a:t>the knowledge </a:t>
+            </a:r>
+            <a:r>
+              <a:rPr lang="en-US" dirty="0" smtClean="0"/>
+              <a:t>required</a:t>
+            </a:r>
+          </a:p>
+          <a:p>
+            <a:r>
+              <a:rPr lang="en-US" dirty="0" smtClean="0"/>
+              <a:t>Takes </a:t>
+            </a:r>
+            <a:r>
+              <a:rPr lang="en-US" dirty="0" smtClean="0"/>
+              <a:t>advantage of </a:t>
+            </a:r>
+            <a:r>
+              <a:rPr lang="en-US" dirty="0" smtClean="0"/>
+              <a:t>the different capabilities usually used in an </a:t>
+            </a:r>
+            <a:r>
+              <a:rPr lang="en-US" dirty="0" smtClean="0"/>
+              <a:t>interactive multimedia </a:t>
+            </a:r>
+            <a:r>
+              <a:rPr lang="en-US" dirty="0" smtClean="0"/>
+              <a:t>system</a:t>
+            </a:r>
+          </a:p>
+          <a:p>
+            <a:r>
+              <a:rPr lang="en-US" dirty="0" smtClean="0"/>
+              <a:t>Exploiting JOGL capabilities almost to the limit</a:t>
+            </a:r>
+          </a:p>
+          <a:p>
+            <a:endParaRPr lang="en-US" dirty="0"/>
+          </a:p>
+        </p:txBody>
+      </p:sp>
+    </p:spTree>
+  </p:cSld>
+  <p:clrMapOvr>
+    <a:masterClrMapping/>
+  </p:clrMapOvr>
+  <p:timing>
+    <p:tnLst>
+      <p:par>
+        <p:cTn id="1" dur="indefinite" restart="never" nodeType="tmRoot"/>
+      </p:par>
+    </p:tnLst>
+  </p:timing>
+</p:sld>
+</file>
+
+<file path=ppt/slides/slide12.xml><?xml version="1.0" encoding="utf-8"?>
+<p:sld xmlns:a="http://schemas.openxmlformats.org/drawingml/2006/main" xmlns:r="http://schemas.openxmlformats.org/officeDocument/2006/relationships" xmlns:p="http://schemas.openxmlformats.org/presentationml/2006/main">
+  <p:cSld>
+    <p:spTree>
+      <p:nvGrpSpPr>
+        <p:cNvPr id="1" name=""/>
+        <p:cNvGrpSpPr/>
+        <p:nvPr/>
+      </p:nvGrpSpPr>
+      <p:grpSpPr>
+        <a:xfrm>
+          <a:off x="0" y="0"/>
+          <a:ext cx="0" cy="0"/>
+          <a:chOff x="0" y="0"/>
+          <a:chExt cx="0" cy="0"/>
+        </a:xfrm>
+      </p:grpSpPr>
+      <p:sp>
+        <p:nvSpPr>
+          <p:cNvPr id="2" name="Rectangle 1"/>
+          <p:cNvSpPr>
+            <a:spLocks noGrp="1"/>
+          </p:cNvSpPr>
+          <p:nvPr>
+            <p:ph type="title"/>
+          </p:nvPr>
+        </p:nvSpPr>
+        <p:spPr/>
+        <p:txBody>
+          <a:bodyPr/>
+          <a:lstStyle/>
+          <a:p>
+            <a:r>
+              <a:rPr lang="es-ES" dirty="0" err="1" smtClean="0"/>
+              <a:t>Questions</a:t>
+            </a:r>
+            <a:r>
+              <a:rPr lang="es-ES" dirty="0" smtClean="0"/>
+              <a:t>?</a:t>
+            </a:r>
+            <a:endParaRPr lang="es-ES" dirty="0"/>
+          </a:p>
+        </p:txBody>
+      </p:sp>
+      <p:sp>
+        <p:nvSpPr>
+          <p:cNvPr id="4" name="3 Marcador de contenido"/>
+          <p:cNvSpPr>
+            <a:spLocks noGrp="1"/>
+          </p:cNvSpPr>
+          <p:nvPr>
+            <p:ph sz="quarter" idx="1"/>
+          </p:nvPr>
+        </p:nvSpPr>
+        <p:spPr/>
+        <p:txBody>
+          <a:bodyPr/>
+          <a:lstStyle/>
+          <a:p>
+            <a:endParaRPr lang="en-US" dirty="0"/>
+          </a:p>
+        </p:txBody>
+      </p:sp>
+    </p:spTree>
+  </p:cSld>
+  <p:clrMapOvr>
+    <a:masterClrMapping/>
+  </p:clrMapOvr>
+  <p:timing>
+    <p:tnLst>
+      <p:par>
+        <p:cTn id="1" dur="indefinite" restart="never" nodeType="tmRoot"/>
+      </p:par>
+    </p:tnLst>
+  </p:timing>
 </p:sld>
 </file>
 
@@ -5605,60 +5770,147 @@
           <a:lstStyle/>
           <a:p>
             <a:r>
-              <a:rPr lang="es-ES" dirty="0"/>
-              <a:t>Descripción del proyecto</a:t>
-            </a:r>
+              <a:rPr lang="es-ES" dirty="0" err="1" smtClean="0"/>
+              <a:t>Newton’s</a:t>
+            </a:r>
+            <a:r>
+              <a:rPr lang="es-ES" dirty="0" smtClean="0"/>
+              <a:t> </a:t>
+            </a:r>
+            <a:r>
+              <a:rPr lang="es-ES" dirty="0" err="1" smtClean="0"/>
+              <a:t>Cradle</a:t>
+            </a:r>
+            <a:endParaRPr lang="es-ES" dirty="0"/>
           </a:p>
           <a:p>
             <a:pPr lvl="1"/>
             <a:r>
-              <a:rPr lang="es-ES" dirty="0"/>
-              <a:t>Objetivo</a:t>
-            </a:r>
+              <a:rPr smtClean="0"/>
+              <a:t>Energy </a:t>
+            </a:r>
+            <a:r>
+              <a:rPr smtClean="0"/>
+              <a:t>conservation law</a:t>
+            </a:r>
+            <a:endParaRPr lang="es-ES" dirty="0"/>
           </a:p>
           <a:p>
             <a:pPr lvl="1"/>
             <a:r>
-              <a:rPr lang="es-ES" dirty="0"/>
-              <a:t>Resultados</a:t>
-            </a:r>
-          </a:p>
-          <a:p>
-            <a:r>
-              <a:rPr lang="es-ES" dirty="0"/>
-              <a:t>Metodología del proyecto</a:t>
-            </a:r>
-          </a:p>
-          <a:p>
-            <a:r>
-              <a:rPr lang="es-ES" dirty="0"/>
-              <a:t>Principales </a:t>
+              <a:rPr lang="es-ES" dirty="0" err="1" smtClean="0"/>
+              <a:t>Conservation</a:t>
             </a:r>
             <a:r>
               <a:rPr lang="es-ES" dirty="0" smtClean="0"/>
-              <a:t>conclusiones/resultados</a:t>
+              <a:t> of </a:t>
+            </a:r>
+            <a:r>
+              <a:rPr lang="es-ES" dirty="0" err="1" smtClean="0"/>
+              <a:t>momentum</a:t>
             </a:r>
             <a:endParaRPr lang="es-ES" dirty="0"/>
           </a:p>
           <a:p>
+            <a:r>
+              <a:rPr lang="es-ES" dirty="0" smtClean="0"/>
+              <a:t>Open GL </a:t>
+            </a:r>
+            <a:r>
+              <a:rPr lang="es-ES" dirty="0" err="1" smtClean="0"/>
+              <a:t>over</a:t>
+            </a:r>
+            <a:r>
+              <a:rPr lang="es-ES" dirty="0" smtClean="0"/>
+              <a:t> Java (</a:t>
+            </a:r>
+            <a:r>
+              <a:rPr smtClean="0"/>
+              <a:t>J</a:t>
+            </a:r>
+            <a:r>
+              <a:rPr smtClean="0"/>
+              <a:t>O</a:t>
+            </a:r>
+            <a:r>
+              <a:rPr lang="es-ES" dirty="0" smtClean="0"/>
+              <a:t>GL)</a:t>
+            </a:r>
+            <a:endParaRPr lang="es-ES" dirty="0"/>
+          </a:p>
+          <a:p>
+            <a:r>
+              <a:rPr lang="es-ES" dirty="0" err="1" smtClean="0"/>
+              <a:t>Different</a:t>
+            </a:r>
+            <a:r>
+              <a:rPr lang="es-ES" dirty="0" smtClean="0"/>
+              <a:t> </a:t>
+            </a:r>
+            <a:r>
+              <a:rPr lang="es-ES" dirty="0" err="1" smtClean="0"/>
+              <a:t>modes</a:t>
+            </a:r>
+            <a:r>
+              <a:rPr lang="es-ES" dirty="0" smtClean="0"/>
+              <a:t> </a:t>
+            </a:r>
+            <a:endParaRPr lang="es-ES" dirty="0"/>
+          </a:p>
+          <a:p>
             <a:pPr lvl="1"/>
             <a:r>
-              <a:rPr lang="es-ES" dirty="0"/>
-              <a:t>Resultados 1</a:t>
-            </a:r>
+              <a:rPr lang="es-ES" dirty="0" err="1" smtClean="0"/>
+              <a:t>Movement</a:t>
+            </a:r>
+            <a:endParaRPr lang="es-ES" dirty="0"/>
           </a:p>
           <a:p>
             <a:pPr lvl="1"/>
             <a:r>
-              <a:rPr lang="es-ES" dirty="0"/>
-              <a:t>Resultados 2</a:t>
-            </a:r>
-          </a:p>
-          <a:p>
-            <a:r>
-              <a:rPr lang="es-ES" dirty="0"/>
-              <a:t>Conclusión</a:t>
-            </a:r>
+              <a:rPr lang="es-ES" dirty="0" err="1" smtClean="0"/>
+              <a:t>Appearance</a:t>
+            </a:r>
+            <a:endParaRPr lang="es-ES" dirty="0" smtClean="0"/>
+          </a:p>
+          <a:p>
+            <a:pPr lvl="1"/>
+            <a:r>
+              <a:rPr smtClean="0"/>
+              <a:t>Number of balls</a:t>
+            </a:r>
+            <a:endParaRPr lang="es-ES" dirty="0"/>
+          </a:p>
+          <a:p>
+            <a:r>
+              <a:rPr lang="es-ES" dirty="0" smtClean="0"/>
+              <a:t>Camera </a:t>
+            </a:r>
+            <a:r>
+              <a:rPr lang="es-ES" dirty="0" err="1" smtClean="0"/>
+              <a:t>movement</a:t>
+            </a:r>
+            <a:r>
+              <a:rPr lang="es-ES" dirty="0" smtClean="0"/>
+              <a:t> and </a:t>
+            </a:r>
+            <a:r>
+              <a:rPr lang="es-ES" dirty="0" err="1" smtClean="0"/>
+              <a:t>ball</a:t>
+            </a:r>
+            <a:r>
+              <a:rPr lang="es-ES" dirty="0" smtClean="0"/>
+              <a:t> </a:t>
+            </a:r>
+            <a:r>
+              <a:rPr lang="es-ES" dirty="0" err="1" smtClean="0"/>
+              <a:t>drag</a:t>
+            </a:r>
+            <a:r>
+              <a:rPr lang="es-ES" dirty="0" smtClean="0"/>
+              <a:t> </a:t>
+            </a:r>
+            <a:endParaRPr lang="es-ES" dirty="0"/>
           </a:p>
         </p:txBody>
       </p:sp>
@@ -5667,6 +5919,13 @@
   <p:clrMapOvr>
     <a:masterClrMapping/>
   </p:clrMapOvr>
+  <p:timing>
+    <p:tnLst>
+      <p:par>
+        <p:cTn id="1" dur="indefinite" restart="never" nodeType="tmRoot"/>
+      </p:par>
+    </p:tnLst>
+  </p:timing>
 </p:sld>
 </file>
 
@@ -5703,52 +5962,109 @@
           <a:lstStyle/>
           <a:p>
             <a:r>
+              <a:rPr lang="en-US" dirty="0" smtClean="0"/>
+              <a:t>Architecture</a:t>
+            </a:r>
+            <a:endParaRPr lang="en-US" dirty="0"/>
+          </a:p>
+        </p:txBody>
+      </p:sp>
+      <p:sp>
+        <p:nvSpPr>
+          <p:cNvPr id="3" name="Rectangle 2"/>
+          <p:cNvSpPr>
+            <a:spLocks noGrp="1"/>
+          </p:cNvSpPr>
+          <p:nvPr>
+            <p:ph sz="quarter" idx="1"/>
+          </p:nvPr>
+        </p:nvSpPr>
+        <p:spPr/>
+        <p:txBody>
+          <a:bodyPr/>
+          <a:lstStyle/>
+          <a:p>
+            <a:r>
               <a:rPr lang="es-ES" dirty="0" err="1" smtClean="0"/>
-              <a:t>Introduction</a:t>
+              <a:t>JavaForm</a:t>
+            </a:r>
+            <a:r>
+              <a:rPr lang="es-ES" dirty="0" smtClean="0"/>
+              <a:t> </a:t>
+            </a:r>
+            <a:r>
+              <a:rPr lang="es-ES" dirty="0" err="1" smtClean="0"/>
+              <a:t>with</a:t>
+            </a:r>
+            <a:r>
+              <a:rPr lang="es-ES" dirty="0" smtClean="0"/>
+              <a:t> a GLJPANEL</a:t>
             </a:r>
             <a:endParaRPr lang="es-ES" dirty="0"/>
           </a:p>
-        </p:txBody>
-      </p:sp>
-      <p:sp>
-        <p:nvSpPr>
-          <p:cNvPr id="3" name="Rectangle 2"/>
-          <p:cNvSpPr>
-            <a:spLocks noGrp="1"/>
-          </p:cNvSpPr>
-          <p:nvPr>
-            <p:ph sz="quarter" idx="1"/>
-          </p:nvPr>
-        </p:nvSpPr>
-        <p:spPr/>
-        <p:txBody>
-          <a:bodyPr/>
-          <a:lstStyle/>
-          <a:p>
-            <a:r>
-              <a:rPr lang="es-ES" dirty="0"/>
-              <a:t>Objetivo</a:t>
-            </a:r>
+          <a:p>
+            <a:r>
+              <a:rPr lang="es-ES" dirty="0" err="1" smtClean="0"/>
+              <a:t>Object</a:t>
+            </a:r>
+            <a:r>
+              <a:rPr lang="es-ES" dirty="0" smtClean="0"/>
+              <a:t> </a:t>
+            </a:r>
+            <a:r>
+              <a:rPr lang="es-ES" dirty="0" err="1" smtClean="0"/>
+              <a:t>oriented</a:t>
+            </a:r>
+            <a:endParaRPr lang="es-ES" dirty="0"/>
           </a:p>
           <a:p>
             <a:pPr lvl="1"/>
             <a:r>
-              <a:rPr lang="es-ES" dirty="0"/>
-              <a:t>Agregue aquí su objetivo</a:t>
-            </a:r>
-          </a:p>
-          <a:p>
-            <a:r>
-              <a:rPr lang="es-ES" dirty="0"/>
-              <a:t>Resultados</a:t>
-            </a:r>
-          </a:p>
-          <a:p>
-            <a:pPr lvl="1"/>
-            <a:r>
-              <a:rPr lang="es-ES"/>
-              <a:t>Agregue aquí sus resultados</a:t>
-            </a:r>
+              <a:rPr lang="es-ES" dirty="0" smtClean="0"/>
+              <a:t>1 </a:t>
+            </a:r>
+            <a:r>
+              <a:rPr lang="es-ES" dirty="0" err="1" smtClean="0"/>
+              <a:t>Class</a:t>
+            </a:r>
+            <a:r>
+              <a:rPr lang="es-ES" dirty="0" smtClean="0"/>
+              <a:t> </a:t>
+            </a:r>
+            <a:r>
+              <a:rPr lang="es-ES" dirty="0" err="1" smtClean="0"/>
+              <a:t>for</a:t>
+            </a:r>
+            <a:r>
+              <a:rPr lang="es-ES" dirty="0" smtClean="0"/>
+              <a:t> </a:t>
+            </a:r>
+            <a:r>
+              <a:rPr lang="es-ES" dirty="0" err="1" smtClean="0"/>
+              <a:t>each</a:t>
+            </a:r>
+            <a:r>
+              <a:rPr lang="es-ES" dirty="0" smtClean="0"/>
+              <a:t> </a:t>
+            </a:r>
+            <a:r>
+              <a:rPr lang="es-ES" dirty="0" err="1" smtClean="0"/>
+              <a:t>issue</a:t>
+            </a:r>
+            <a:endParaRPr smtClean="0"/>
+          </a:p>
+          <a:p>
+            <a:r>
+              <a:rPr smtClean="0"/>
+              <a:t>All the conditional sentences in mode change</a:t>
+            </a:r>
+          </a:p>
+          <a:p>
+            <a:r>
+              <a:rPr smtClean="0"/>
+              <a:t>Display Method as simple as possible</a:t>
+            </a:r>
+            <a:endParaRPr lang="es-ES" dirty="0"/>
           </a:p>
         </p:txBody>
       </p:sp>
@@ -5757,6 +6073,13 @@
   <p:clrMapOvr>
     <a:masterClrMapping/>
   </p:clrMapOvr>
+  <p:timing>
+    <p:tnLst>
+      <p:par>
+        <p:cTn id="1" dur="indefinite" restart="never" nodeType="tmRoot"/>
+      </p:par>
+    </p:tnLst>
+  </p:timing>
 </p:sld>
 </file>
 
@@ -5793,53 +6116,94 @@
           <a:lstStyle/>
           <a:p>
             <a:r>
+              <a:rPr smtClean="0"/>
+              <a:t>Movement</a:t>
+            </a:r>
+            <a:endParaRPr lang="es-ES" dirty="0"/>
+          </a:p>
+        </p:txBody>
+      </p:sp>
+      <p:sp>
+        <p:nvSpPr>
+          <p:cNvPr id="3" name="Rectangle 2"/>
+          <p:cNvSpPr>
+            <a:spLocks noGrp="1"/>
+          </p:cNvSpPr>
+          <p:nvPr>
+            <p:ph sz="quarter" idx="1"/>
+          </p:nvPr>
+        </p:nvSpPr>
+        <p:spPr/>
+        <p:txBody>
+          <a:bodyPr/>
+          <a:lstStyle/>
+          <a:p>
+            <a:r>
+              <a:rPr lang="es-ES" dirty="0" err="1" smtClean="0"/>
+              <a:t>Simulated</a:t>
+            </a:r>
+            <a:r>
               <a:rPr lang="es-ES" dirty="0" smtClean="0"/>
-              <a:t>Procedimiento/</a:t>
-            </a:r>
-            <a:r>
-              <a:rPr lang="pl-PL" dirty="0" smtClean="0"/>
-              <a:t>M</a:t>
+              <a:t> </a:t>
             </a:r>
             <a:r>
               <a:rPr lang="es-ES" dirty="0" err="1" smtClean="0"/>
-              <a:t>etodología</a:t>
+              <a:t>by</a:t>
+            </a:r>
+            <a:r>
+              <a:rPr lang="es-ES" dirty="0" smtClean="0"/>
+              <a:t> </a:t>
+            </a:r>
+            <a:r>
+              <a:rPr lang="es-ES" dirty="0" err="1" smtClean="0"/>
+              <a:t>angle</a:t>
+            </a:r>
+            <a:r>
+              <a:rPr lang="es-ES" dirty="0" smtClean="0"/>
+              <a:t> </a:t>
+            </a:r>
+            <a:r>
+              <a:rPr lang="es-ES" dirty="0" err="1" smtClean="0"/>
+              <a:t>calculations</a:t>
+            </a:r>
+            <a:endParaRPr lang="es-ES" dirty="0" smtClean="0"/>
+          </a:p>
+          <a:p>
+            <a:r>
+              <a:rPr smtClean="0"/>
+              <a:t>Two movement modes</a:t>
+            </a:r>
+          </a:p>
+          <a:p>
+            <a:pPr lvl="1"/>
+            <a:r>
+              <a:rPr smtClean="0"/>
+              <a:t>Linear</a:t>
+            </a:r>
+          </a:p>
+          <a:p>
+            <a:pPr lvl="1"/>
+            <a:r>
+              <a:rPr smtClean="0"/>
+              <a:t>Cuadratic</a:t>
+            </a:r>
+          </a:p>
+          <a:p>
+            <a:r>
+              <a:rPr smtClean="0"/>
+              <a:t>Friction</a:t>
+            </a:r>
+          </a:p>
+          <a:p>
+            <a:r>
+              <a:rPr smtClean="0"/>
+              <a:t>Speed</a:t>
+            </a:r>
+            <a:r>
+              <a:rPr lang="es-ES" dirty="0" smtClean="0"/>
+              <a:t> </a:t>
             </a:r>
             <a:endParaRPr lang="es-ES" dirty="0"/>
-          </a:p>
-        </p:txBody>
-      </p:sp>
-      <p:sp>
-        <p:nvSpPr>
-          <p:cNvPr id="3" name="Rectangle 2"/>
-          <p:cNvSpPr>
-            <a:spLocks noGrp="1"/>
-          </p:cNvSpPr>
-          <p:nvPr>
-            <p:ph sz="quarter" idx="1"/>
-          </p:nvPr>
-        </p:nvSpPr>
-        <p:spPr/>
-        <p:txBody>
-          <a:bodyPr/>
-          <a:lstStyle/>
-          <a:p>
-            <a:r>
-              <a:rPr lang="es-ES"/>
-              <a:t>Agregue aquí el procedimiento</a:t>
-            </a:r>
-          </a:p>
-          <a:p>
-            <a:r>
-              <a:rPr lang="es-ES"/>
-              <a:t>Principales suposiciones</a:t>
-            </a:r>
-          </a:p>
-          <a:p>
-            <a:pPr lvl="1"/>
-            <a:r>
-              <a:rPr lang="es-ES"/>
-              <a:t>Agregue aquí las suposiciones</a:t>
-            </a:r>
           </a:p>
         </p:txBody>
       </p:sp>
@@ -5848,6 +6212,13 @@
   <p:clrMapOvr>
     <a:masterClrMapping/>
   </p:clrMapOvr>
+  <p:timing>
+    <p:tnLst>
+      <p:par>
+        <p:cTn id="1" dur="indefinite" restart="never" nodeType="tmRoot"/>
+      </p:par>
+    </p:tnLst>
+  </p:timing>
 </p:sld>
 </file>
 
@@ -5880,63 +6251,105 @@
         </p:nvSpPr>
         <p:spPr/>
         <p:txBody>
-          <a:bodyPr>
-            <a:normAutofit fontScale="90000"/>
-          </a:bodyPr>
-          <a:lstStyle/>
-          <a:p>
-            <a:r>
-              <a:rPr lang="es-ES" dirty="0"/>
-              <a:t>Principales </a:t>
-            </a:r>
-            <a:r>
-              <a:rPr lang="es-ES" dirty="0" smtClean="0"/>
-              <a:t>conclusiones/</a:t>
-            </a:r>
-            <a:r>
-              <a:rPr lang="pl-PL" dirty="0" smtClean="0"/>
-              <a:t>R</a:t>
-            </a:r>
+          <a:bodyPr/>
+          <a:lstStyle/>
+          <a:p>
             <a:r>
               <a:rPr lang="es-ES" dirty="0" err="1" smtClean="0"/>
-              <a:t>esultados</a:t>
+              <a:t>User</a:t>
             </a:r>
             <a:r>
               <a:rPr lang="es-ES" dirty="0" smtClean="0"/>
               <a:t> </a:t>
             </a:r>
             <a:r>
-              <a:rPr lang="es-ES" dirty="0"/>
-              <a:t>1</a:t>
-            </a:r>
-          </a:p>
-        </p:txBody>
-      </p:sp>
-      <p:graphicFrame>
-        <p:nvGraphicFramePr>
-          <p:cNvPr id="4" name="Content Placeholder 3"/>
-          <p:cNvGraphicFramePr>
-            <a:graphicFrameLocks noGrp="1"/>
-          </p:cNvGraphicFramePr>
+              <a:rPr lang="es-ES" dirty="0" err="1" smtClean="0"/>
+              <a:t>interaction</a:t>
+            </a:r>
+            <a:endParaRPr lang="es-ES" dirty="0"/>
+          </a:p>
+        </p:txBody>
+      </p:sp>
+      <p:sp>
+        <p:nvSpPr>
+          <p:cNvPr id="3" name="Rectangle 2"/>
+          <p:cNvSpPr>
+            <a:spLocks noGrp="1"/>
+          </p:cNvSpPr>
           <p:nvPr>
             <p:ph sz="quarter" idx="1"/>
           </p:nvPr>
-        </p:nvGraphicFramePr>
-        <p:xfrm>
-          <a:off x="612775" y="1600200"/>
-          <a:ext cx="8153400" cy="4495800"/>
-        </p:xfrm>
-        <a:graphic>
-          <a:graphicData uri="http://schemas.openxmlformats.org/drawingml/2006/chart">
-            <c:chart xmlns:c="http://schemas.openxmlformats.org/drawingml/2006/chart" xmlns:r="http://schemas.openxmlformats.org/officeDocument/2006/relationships" r:id="rId3"/>
-          </a:graphicData>
-        </a:graphic>
-      </p:graphicFrame>
+        </p:nvSpPr>
+        <p:spPr/>
+        <p:txBody>
+          <a:bodyPr/>
+          <a:lstStyle/>
+          <a:p>
+            <a:r>
+              <a:rPr lang="es-ES" dirty="0" smtClean="0"/>
+              <a:t>Camera </a:t>
+            </a:r>
+            <a:r>
+              <a:rPr lang="es-ES" dirty="0" err="1" smtClean="0"/>
+              <a:t>movement</a:t>
+            </a:r>
+            <a:r>
+              <a:rPr lang="es-ES" dirty="0" smtClean="0"/>
+              <a:t> </a:t>
+            </a:r>
+            <a:r>
+              <a:rPr lang="es-ES" dirty="0" err="1" smtClean="0"/>
+              <a:t>by</a:t>
+            </a:r>
+            <a:r>
+              <a:rPr lang="es-ES" dirty="0" smtClean="0"/>
+              <a:t> </a:t>
+            </a:r>
+            <a:r>
+              <a:rPr lang="es-ES" dirty="0" err="1" smtClean="0"/>
+              <a:t>keys</a:t>
+            </a:r>
+            <a:endParaRPr lang="es-ES" dirty="0" smtClean="0"/>
+          </a:p>
+          <a:p>
+            <a:r>
+              <a:rPr smtClean="0"/>
+              <a:t>Characteristics by menu</a:t>
+            </a:r>
+          </a:p>
+          <a:p>
+            <a:r>
+              <a:rPr smtClean="0"/>
+              <a:t>Ball dragging with mouse</a:t>
+            </a:r>
+          </a:p>
+          <a:p>
+            <a:r>
+              <a:rPr smtClean="0"/>
+              <a:t>Change number of balls</a:t>
+            </a:r>
+          </a:p>
+          <a:p>
+            <a:r>
+              <a:rPr smtClean="0"/>
+              <a:t>Help window provided</a:t>
+            </a:r>
+            <a:endParaRPr lang="es-ES" dirty="0"/>
+          </a:p>
+        </p:txBody>
+      </p:sp>
     </p:spTree>
   </p:cSld>
   <p:clrMapOvr>
     <a:masterClrMapping/>
   </p:clrMapOvr>
+  <p:timing>
+    <p:tnLst>
+      <p:par>
+        <p:cTn id="1" dur="indefinite" restart="never" nodeType="tmRoot"/>
+      </p:par>
+    </p:tnLst>
+  </p:timing>
 </p:sld>
 </file>
 
@@ -5959,7 +6372,7 @@
       </p:grpSpPr>
       <p:sp>
         <p:nvSpPr>
-          <p:cNvPr id="2" name="Title 1"/>
+          <p:cNvPr id="2" name="Rectangle 1"/>
           <p:cNvSpPr>
             <a:spLocks noGrp="1"/>
           </p:cNvSpPr>
@@ -5969,63 +6382,103 @@
         </p:nvSpPr>
         <p:spPr/>
         <p:txBody>
-          <a:bodyPr>
-            <a:normAutofit fontScale="90000"/>
-          </a:bodyPr>
-          <a:lstStyle/>
-          <a:p>
-            <a:r>
-              <a:rPr lang="es-ES" dirty="0"/>
-              <a:t>Principales </a:t>
-            </a:r>
+          <a:bodyPr/>
+          <a:lstStyle/>
+          <a:p>
             <a:r>
               <a:rPr lang="es-ES" dirty="0" smtClean="0"/>
-              <a:t>conclusiones/</a:t>
-            </a:r>
-            <a:r>
-              <a:rPr lang="pl-PL" dirty="0" smtClean="0"/>
-              <a:t>R</a:t>
+              <a:t>The </a:t>
             </a:r>
             <a:r>
               <a:rPr lang="es-ES" dirty="0" err="1" smtClean="0"/>
-              <a:t>esultados</a:t>
-            </a:r>
+              <a:t>world</a:t>
+            </a:r>
+            <a:endParaRPr lang="es-ES" dirty="0"/>
+          </a:p>
+        </p:txBody>
+      </p:sp>
+      <p:sp>
+        <p:nvSpPr>
+          <p:cNvPr id="3" name="Rectangle 2"/>
+          <p:cNvSpPr>
+            <a:spLocks noGrp="1"/>
+          </p:cNvSpPr>
+          <p:nvPr>
+            <p:ph sz="quarter" idx="1"/>
+          </p:nvPr>
+        </p:nvSpPr>
+        <p:spPr/>
+        <p:txBody>
+          <a:bodyPr/>
+          <a:lstStyle/>
+          <a:p>
             <a:r>
               <a:rPr lang="es-ES" dirty="0" smtClean="0"/>
-              <a:t> </a:t>
-            </a:r>
-            <a:r>
-              <a:rPr lang="es-ES" dirty="0"/>
-              <a:t>2</a:t>
-            </a:r>
-          </a:p>
-        </p:txBody>
-      </p:sp>
-      <p:graphicFrame>
-        <p:nvGraphicFramePr>
-          <p:cNvPr id="4" name="Content Placeholder 3"/>
-          <p:cNvGraphicFramePr>
-            <a:graphicFrameLocks noGrp="1"/>
-          </p:cNvGraphicFramePr>
-          <p:nvPr>
-            <p:ph sz="quarter" idx="1"/>
-          </p:nvPr>
-        </p:nvGraphicFramePr>
-        <p:xfrm>
-          <a:off x="612775" y="1600200"/>
-          <a:ext cx="8153400" cy="4495800"/>
-        </p:xfrm>
-        <a:graphic>
-          <a:graphicData uri="http://schemas.openxmlformats.org/drawingml/2006/chart">
-            <c:chart xmlns:c="http://schemas.openxmlformats.org/drawingml/2006/chart" xmlns:r="http://schemas.openxmlformats.org/officeDocument/2006/relationships" r:id="rId3"/>
-          </a:graphicData>
-        </a:graphic>
-      </p:graphicFrame>
+              <a:t>Skybox</a:t>
+            </a:r>
+          </a:p>
+          <a:p>
+            <a:pPr lvl="1"/>
+            <a:r>
+              <a:rPr smtClean="0"/>
+              <a:t>Huge cube with textures</a:t>
+            </a:r>
+          </a:p>
+          <a:p>
+            <a:pPr lvl="1"/>
+            <a:r>
+              <a:rPr smtClean="0"/>
+              <a:t>Choosable by user in menu</a:t>
+            </a:r>
+          </a:p>
+          <a:p>
+            <a:pPr lvl="1"/>
+            <a:r>
+              <a:rPr smtClean="0"/>
+              <a:t>Limits the scene</a:t>
+            </a:r>
+          </a:p>
+          <a:p>
+            <a:r>
+              <a:rPr smtClean="0"/>
+              <a:t>OBJ</a:t>
+            </a:r>
+          </a:p>
+          <a:p>
+            <a:pPr lvl="1"/>
+            <a:r>
+              <a:rPr smtClean="0"/>
+              <a:t>External file (.OBJ)</a:t>
+            </a:r>
+          </a:p>
+          <a:p>
+            <a:pPr lvl="1"/>
+            <a:r>
+              <a:rPr smtClean="0"/>
+              <a:t>Cradle and table</a:t>
+            </a:r>
+          </a:p>
+          <a:p>
+            <a:pPr lvl="1"/>
+            <a:endParaRPr lang="es-ES" dirty="0" smtClean="0"/>
+          </a:p>
+          <a:p>
+            <a:endParaRPr lang="es-ES" dirty="0" smtClean="0"/>
+          </a:p>
+        </p:txBody>
+      </p:sp>
     </p:spTree>
   </p:cSld>
   <p:clrMapOvr>
     <a:masterClrMapping/>
   </p:clrMapOvr>
+  <p:timing>
+    <p:tnLst>
+      <p:par>
+        <p:cTn id="1" dur="indefinite" restart="never" nodeType="tmRoot"/>
+      </p:par>
+    </p:tnLst>
+  </p:timing>
 </p:sld>
 </file>
 
@@ -6048,7 +6501,7 @@
       </p:grpSpPr>
       <p:sp>
         <p:nvSpPr>
-          <p:cNvPr id="2" name="Title 1"/>
+          <p:cNvPr id="2" name="Rectangle 1"/>
           <p:cNvSpPr>
             <a:spLocks noGrp="1"/>
           </p:cNvSpPr>
@@ -6058,310 +6511,105 @@
         </p:nvSpPr>
         <p:spPr/>
         <p:txBody>
-          <a:bodyPr>
-            <a:normAutofit fontScale="90000"/>
-          </a:bodyPr>
-          <a:lstStyle/>
-          <a:p>
-            <a:r>
-              <a:rPr lang="es-ES" dirty="0"/>
-              <a:t>Principales </a:t>
+          <a:bodyPr/>
+          <a:lstStyle/>
+          <a:p>
+            <a:r>
+              <a:rPr lang="es-ES" dirty="0" err="1" smtClean="0"/>
+              <a:t>Materials</a:t>
             </a:r>
             <a:r>
               <a:rPr lang="es-ES" dirty="0" smtClean="0"/>
-              <a:t>conclusiones/</a:t>
-            </a:r>
-            <a:r>
-              <a:rPr lang="pl-PL" dirty="0" smtClean="0"/>
-              <a:t>R</a:t>
+              <a:t> and </a:t>
             </a:r>
             <a:r>
               <a:rPr lang="es-ES" dirty="0" err="1" smtClean="0"/>
-              <a:t>esultados</a:t>
-            </a:r>
-            <a:r>
-              <a:rPr lang="es-ES" dirty="0" smtClean="0"/>
-              <a:t> </a:t>
-            </a:r>
-            <a:r>
-              <a:rPr lang="es-ES" dirty="0"/>
-              <a:t>3</a:t>
-            </a:r>
-          </a:p>
-        </p:txBody>
-      </p:sp>
-      <p:graphicFrame>
-        <p:nvGraphicFramePr>
-          <p:cNvPr id="4" name="Content Placeholder 3"/>
-          <p:cNvGraphicFramePr>
-            <a:graphicFrameLocks noGrp="1"/>
-          </p:cNvGraphicFramePr>
+              <a:t>Textures</a:t>
+            </a:r>
+            <a:endParaRPr lang="es-ES" dirty="0"/>
+          </a:p>
+        </p:txBody>
+      </p:sp>
+      <p:sp>
+        <p:nvSpPr>
+          <p:cNvPr id="3" name="Rectangle 2"/>
+          <p:cNvSpPr>
+            <a:spLocks noGrp="1"/>
+          </p:cNvSpPr>
           <p:nvPr>
             <p:ph sz="quarter" idx="1"/>
           </p:nvPr>
-        </p:nvGraphicFramePr>
-        <p:xfrm>
-          <a:off x="612775" y="1600200"/>
-          <a:ext cx="8153404" cy="1483360"/>
-        </p:xfrm>
-        <a:graphic>
-          <a:graphicData uri="http://schemas.openxmlformats.org/drawingml/2006/table">
-            <a:tbl>
-              <a:tblPr firstRow="1" bandRow="1">
-                <a:tableStyleId>{0660B408-B3CF-4A94-85FC-2B1E0A45F4A2}</a:tableStyleId>
-              </a:tblPr>
-              <a:tblGrid>
-                <a:gridCol w="2038351"/>
-                <a:gridCol w="2038351"/>
-                <a:gridCol w="2038351"/>
-                <a:gridCol w="2038351"/>
-              </a:tblGrid>
-              <a:tr h="370840">
-                <a:tc>
-                  <a:txBody>
-                    <a:bodyPr/>
-                    <a:lstStyle/>
-                    <a:p>
-                      <a:pPr algn="ctr"/>
-                      <a:r>
-                        <a:rPr lang="es-ES" sz="1400"/>
-                        <a:t>Número de ejecución</a:t>
-                      </a:r>
-                    </a:p>
-                  </a:txBody>
-                  <a:tcPr marL="95923" marR="95923"/>
-                </a:tc>
-                <a:tc>
-                  <a:txBody>
-                    <a:bodyPr/>
-                    <a:lstStyle/>
-                    <a:p>
-                      <a:pPr algn="ctr"/>
-                      <a:r>
-                        <a:rPr lang="es-ES" sz="1400"/>
-                        <a:t>Descripción</a:t>
-                      </a:r>
-                    </a:p>
-                  </a:txBody>
-                  <a:tcPr marL="95923" marR="95923"/>
-                </a:tc>
-                <a:tc>
-                  <a:txBody>
-                    <a:bodyPr/>
-                    <a:lstStyle/>
-                    <a:p>
-                      <a:pPr algn="ctr"/>
-                      <a:r>
-                        <a:rPr lang="es-ES" sz="1400"/>
-                        <a:t>Resultado A</a:t>
-                      </a:r>
-                    </a:p>
-                  </a:txBody>
-                  <a:tcPr marL="95923" marR="95923"/>
-                </a:tc>
-                <a:tc>
-                  <a:txBody>
-                    <a:bodyPr/>
-                    <a:lstStyle/>
-                    <a:p>
-                      <a:pPr algn="ctr"/>
-                      <a:r>
-                        <a:rPr lang="es-ES" sz="1400"/>
-                        <a:t>Resultado</a:t>
-                      </a:r>
-                      <a:r>
-                        <a:rPr lang="es-ES" sz="1400" baseline="0"/>
-                        <a:t> B</a:t>
-                      </a:r>
-                      <a:endParaRPr lang="es-ES" sz="1400"/>
-                    </a:p>
-                  </a:txBody>
-                  <a:tcPr marL="95923" marR="95923"/>
-                </a:tc>
-              </a:tr>
-              <a:tr h="370840">
-                <a:tc>
-                  <a:txBody>
-                    <a:bodyPr/>
-                    <a:lstStyle/>
-                    <a:p>
-                      <a:pPr algn="ctr"/>
-                      <a:r>
-                        <a:rPr lang="es-ES" sz="1400"/>
-                        <a:t>1</a:t>
-                      </a:r>
-                    </a:p>
-                  </a:txBody>
-                  <a:tcPr marL="95923" marR="95923"/>
-                </a:tc>
-                <a:tc>
-                  <a:txBody>
-                    <a:bodyPr/>
-                    <a:lstStyle/>
-                    <a:p>
-                      <a:pPr algn="ctr"/>
-                      <a:r>
-                        <a:rPr lang="es-ES" sz="1400"/>
-                        <a:t>Condición A</a:t>
-                      </a:r>
-                    </a:p>
-                  </a:txBody>
-                  <a:tcPr marL="95923" marR="95923"/>
-                </a:tc>
-                <a:tc>
-                  <a:txBody>
-                    <a:bodyPr/>
-                    <a:lstStyle/>
-                    <a:p>
-                      <a:pPr algn="ctr"/>
-                      <a:r>
-                        <a:rPr lang="es-ES" sz="1400"/>
-                        <a:t>Verdadero</a:t>
-                      </a:r>
-                    </a:p>
-                  </a:txBody>
-                  <a:tcPr marL="95923" marR="95923"/>
-                </a:tc>
-                <a:tc>
-                  <a:txBody>
-                    <a:bodyPr/>
-                    <a:lstStyle/>
-                    <a:p>
-                      <a:pPr algn="ctr"/>
-                      <a:r>
-                        <a:rPr lang="es-ES" sz="1400"/>
-                        <a:t>Verdadero</a:t>
-                      </a:r>
-                    </a:p>
-                  </a:txBody>
-                  <a:tcPr marL="95923" marR="95923"/>
-                </a:tc>
-              </a:tr>
-              <a:tr h="370840">
-                <a:tc>
-                  <a:txBody>
-                    <a:bodyPr/>
-                    <a:lstStyle/>
-                    <a:p>
-                      <a:pPr algn="ctr"/>
-                      <a:r>
-                        <a:rPr lang="es-ES" sz="1400"/>
-                        <a:t>2</a:t>
-                      </a:r>
-                    </a:p>
-                  </a:txBody>
-                  <a:tcPr marL="95923" marR="95923"/>
-                </a:tc>
-                <a:tc>
-                  <a:txBody>
-                    <a:bodyPr/>
-                    <a:lstStyle/>
-                    <a:p>
-                      <a:pPr algn="ctr"/>
-                      <a:r>
-                        <a:rPr lang="es-ES" sz="1400"/>
-                        <a:t>Condición B</a:t>
-                      </a:r>
-                    </a:p>
-                  </a:txBody>
-                  <a:tcPr marL="95923" marR="95923"/>
-                </a:tc>
-                <a:tc>
-                  <a:txBody>
-                    <a:bodyPr/>
-                    <a:lstStyle/>
-                    <a:p>
-                      <a:pPr algn="ctr"/>
-                      <a:r>
-                        <a:rPr lang="es-ES" sz="1400"/>
-                        <a:t>Verdadero</a:t>
-                      </a:r>
-                    </a:p>
-                  </a:txBody>
-                  <a:tcPr marL="95923" marR="95923"/>
-                </a:tc>
-                <a:tc>
-                  <a:txBody>
-                    <a:bodyPr/>
-                    <a:lstStyle/>
-                    <a:p>
-                      <a:pPr algn="ctr"/>
-                      <a:r>
-                        <a:rPr lang="es-ES" sz="1400"/>
-                        <a:t>Falso</a:t>
-                      </a:r>
-                    </a:p>
-                  </a:txBody>
-                  <a:tcPr marL="95923" marR="95923"/>
-                </a:tc>
-              </a:tr>
-              <a:tr h="370840">
-                <a:tc>
-                  <a:txBody>
-                    <a:bodyPr/>
-                    <a:lstStyle/>
-                    <a:p>
-                      <a:pPr algn="ctr"/>
-                      <a:r>
-                        <a:rPr lang="es-ES" sz="1400"/>
-                        <a:t>3</a:t>
-                      </a:r>
-                    </a:p>
-                  </a:txBody>
-                  <a:tcPr marL="95923" marR="95923"/>
-                </a:tc>
-                <a:tc>
-                  <a:txBody>
-                    <a:bodyPr/>
-                    <a:lstStyle/>
-                    <a:p>
-                      <a:pPr algn="ctr"/>
-                      <a:r>
-                        <a:rPr lang="es-ES" sz="1400"/>
-                        <a:t>Condición C</a:t>
-                      </a:r>
-                    </a:p>
-                  </a:txBody>
-                  <a:tcPr marL="95923" marR="95923"/>
-                </a:tc>
-                <a:tc>
-                  <a:txBody>
-                    <a:bodyPr/>
-                    <a:lstStyle/>
-                    <a:p>
-                      <a:pPr algn="ctr"/>
-                      <a:r>
-                        <a:rPr lang="es-ES" sz="1400"/>
-                        <a:t>Falso</a:t>
-                      </a:r>
-                    </a:p>
-                  </a:txBody>
-                  <a:tcPr marL="95923" marR="95923"/>
-                </a:tc>
-                <a:tc>
-                  <a:txBody>
-                    <a:bodyPr/>
-                    <a:lstStyle/>
-                    <a:p>
-                      <a:pPr algn="ctr"/>
-                      <a:r>
-                        <a:rPr lang="es-ES" sz="1400"/>
-                        <a:t>Falso</a:t>
-                      </a:r>
-                    </a:p>
-                  </a:txBody>
-                  <a:tcPr marL="95923" marR="95923"/>
-                </a:tc>
-              </a:tr>
-            </a:tbl>
-          </a:graphicData>
-        </a:graphic>
-      </p:graphicFrame>
+        </p:nvSpPr>
+        <p:spPr/>
+        <p:txBody>
+          <a:bodyPr/>
+          <a:lstStyle/>
+          <a:p>
+            <a:r>
+              <a:rPr smtClean="0"/>
+              <a:t>Every object has material</a:t>
+            </a:r>
+            <a:endParaRPr lang="es-ES" dirty="0" smtClean="0"/>
+          </a:p>
+          <a:p>
+            <a:pPr lvl="1"/>
+            <a:r>
+              <a:rPr smtClean="0"/>
+              <a:t>Only ball material can be changed</a:t>
+            </a:r>
+          </a:p>
+          <a:p>
+            <a:pPr lvl="1"/>
+            <a:endParaRPr smtClean="0"/>
+          </a:p>
+          <a:p>
+            <a:r>
+              <a:rPr smtClean="0"/>
+              <a:t>Textures</a:t>
+            </a:r>
+          </a:p>
+          <a:p>
+            <a:pPr lvl="1"/>
+            <a:r>
+              <a:rPr smtClean="0"/>
+              <a:t>Cradle and desk</a:t>
+            </a:r>
+          </a:p>
+          <a:p>
+            <a:pPr lvl="1"/>
+            <a:r>
+              <a:rPr smtClean="0"/>
+              <a:t>Skybox</a:t>
+            </a:r>
+          </a:p>
+          <a:p>
+            <a:pPr lvl="1"/>
+            <a:r>
+              <a:rPr smtClean="0"/>
+              <a:t>Balls (some modes)</a:t>
+            </a:r>
+          </a:p>
+          <a:p>
+            <a:pPr lvl="1"/>
+            <a:endParaRPr lang="es-ES" dirty="0" smtClean="0"/>
+          </a:p>
+          <a:p>
+            <a:endParaRPr lang="es-ES" dirty="0" smtClean="0"/>
+          </a:p>
+        </p:txBody>
+      </p:sp>
     </p:spTree>
   </p:cSld>
   <p:clrMapOvr>
     <a:masterClrMapping/>
   </p:clrMapOvr>
+  <p:timing>
+    <p:tnLst>
+      <p:par>
+        <p:cTn id="1" dur="indefinite" restart="never" nodeType="tmRoot"/>
+      </p:par>
+    </p:tnLst>
+  </p:timing>
 </p:sld>
 </file>
 
@@ -6384,7 +6632,7 @@
       </p:grpSpPr>
       <p:sp>
         <p:nvSpPr>
-          <p:cNvPr id="2" name="Title 1"/>
+          <p:cNvPr id="2" name="Rectangle 1"/>
           <p:cNvSpPr>
             <a:spLocks noGrp="1"/>
           </p:cNvSpPr>
@@ -6398,15 +6646,16 @@
           <a:lstStyle/>
           <a:p>
             <a:r>
-              <a:rPr lang="es-ES"/>
-              <a:t>Conclusión</a:t>
-            </a:r>
-          </a:p>
-        </p:txBody>
-      </p:sp>
-      <p:sp>
-        <p:nvSpPr>
-          <p:cNvPr id="3" name="Content Placeholder 2"/>
+              <a:rPr lang="es-ES" dirty="0" err="1" smtClean="0"/>
+              <a:t>Features</a:t>
+            </a:r>
+            <a:endParaRPr lang="es-ES" dirty="0"/>
+          </a:p>
+        </p:txBody>
+      </p:sp>
+      <p:sp>
+        <p:nvSpPr>
+          <p:cNvPr id="3" name="Rectangle 2"/>
           <p:cNvSpPr>
             <a:spLocks noGrp="1"/>
           </p:cNvSpPr>
@@ -6420,9 +6669,46 @@
           <a:lstStyle/>
           <a:p>
             <a:r>
-              <a:rPr lang="es-ES"/>
-              <a:t>Agregue aquí su conclusión</a:t>
-            </a:r>
+              <a:rPr smtClean="0"/>
+              <a:t>Transparency</a:t>
+            </a:r>
+            <a:endParaRPr lang="es-ES" dirty="0" smtClean="0"/>
+          </a:p>
+          <a:p>
+            <a:r>
+              <a:rPr smtClean="0"/>
+              <a:t>Material light emission</a:t>
+            </a:r>
+          </a:p>
+          <a:p>
+            <a:r>
+              <a:rPr smtClean="0"/>
+              <a:t>Moving sun</a:t>
+            </a:r>
+          </a:p>
+          <a:p>
+            <a:r>
+              <a:rPr smtClean="0"/>
+              <a:t>Shaders</a:t>
+            </a:r>
+          </a:p>
+          <a:p>
+            <a:pPr lvl="1"/>
+            <a:r>
+              <a:rPr smtClean="0"/>
+              <a:t>Vibration</a:t>
+            </a:r>
+          </a:p>
+          <a:p>
+            <a:pPr lvl="1"/>
+            <a:r>
+              <a:rPr smtClean="0"/>
+              <a:t>Colorize</a:t>
+            </a:r>
+            <a:endParaRPr lang="es-ES" dirty="0" smtClean="0"/>
+          </a:p>
+          <a:p>
+            <a:endParaRPr lang="es-ES" dirty="0" smtClean="0"/>
           </a:p>
         </p:txBody>
       </p:sp>
@@ -6431,6 +6717,13 @@
   <p:clrMapOvr>
     <a:masterClrMapping/>
   </p:clrMapOvr>
+  <p:timing>
+    <p:tnLst>
+      <p:par>
+        <p:cTn id="1" dur="indefinite" restart="never" nodeType="tmRoot"/>
+      </p:par>
+    </p:tnLst>
+  </p:timing>
 </p:sld>
 </file>
 
@@ -6453,7 +6746,7 @@
       </p:grpSpPr>
       <p:sp>
         <p:nvSpPr>
-          <p:cNvPr id="2" name="Title 1"/>
+          <p:cNvPr id="2" name="Rectangle 1"/>
           <p:cNvSpPr>
             <a:spLocks noGrp="1"/>
           </p:cNvSpPr>
@@ -6467,8 +6760,60 @@
           <a:lstStyle/>
           <a:p>
             <a:r>
-              <a:rPr lang="es-ES"/>
-              <a:t>Ruegos y preguntas</a:t>
+              <a:rPr lang="es-ES" dirty="0" err="1" smtClean="0"/>
+              <a:t>Other</a:t>
+            </a:r>
+            <a:r>
+              <a:rPr lang="es-ES" dirty="0" smtClean="0"/>
+              <a:t> </a:t>
+            </a:r>
+            <a:r>
+              <a:rPr lang="es-ES" dirty="0" err="1" smtClean="0"/>
+              <a:t>features</a:t>
+            </a:r>
+            <a:endParaRPr lang="es-ES" dirty="0"/>
+          </a:p>
+        </p:txBody>
+      </p:sp>
+      <p:sp>
+        <p:nvSpPr>
+          <p:cNvPr id="3" name="Rectangle 2"/>
+          <p:cNvSpPr>
+            <a:spLocks noGrp="1"/>
+          </p:cNvSpPr>
+          <p:nvPr>
+            <p:ph sz="quarter" idx="1"/>
+          </p:nvPr>
+        </p:nvSpPr>
+        <p:spPr/>
+        <p:txBody>
+          <a:bodyPr/>
+          <a:lstStyle/>
+          <a:p>
+            <a:r>
+              <a:rPr smtClean="0"/>
+              <a:t>Sound</a:t>
+            </a:r>
+          </a:p>
+          <a:p>
+            <a:pPr lvl="1"/>
+            <a:r>
+              <a:rPr smtClean="0"/>
+              <a:t>Different for each mode</a:t>
+            </a:r>
+            <a:endParaRPr lang="es-ES" dirty="0" smtClean="0"/>
+          </a:p>
+          <a:p>
+            <a:r>
+              <a:rPr smtClean="0"/>
+              <a:t>Text</a:t>
+            </a:r>
+          </a:p>
+          <a:p>
+            <a:pPr lvl="1"/>
+            <a:r>
+              <a:rPr smtClean="0"/>
+              <a:t>Rendered with GLUT</a:t>
             </a:r>
           </a:p>
         </p:txBody>
@@ -6478,6 +6823,13 @@
   <p:clrMapOvr>
     <a:masterClrMapping/>
   </p:clrMapOvr>
+  <p:timing>
+    <p:tnLst>
+      <p:par>
+        <p:cTn id="1" dur="indefinite" restart="never" nodeType="tmRoot"/>
+      </p:par>
+    </p:tnLst>
+  </p:timing>
 </p:sld>
 </file>
 
@@ -6994,7 +7346,7 @@
 </file>
 
 <file path=customXml/item1.xml><?xml version="1.0" encoding="utf-8"?>
-<p:properties xmlns:p="http://schemas.microsoft.com/office/2006/metadata/properties" xmlns:xsi="http://www.w3.org/2001/XMLSchema-instance" xmlns:pc="http://schemas.microsoft.com/office/infopath/2007/PartnerControls"/>
+<ct:contentTypeSchema xmlns:ct="http://schemas.microsoft.com/office/2006/metadata/contentType" xmlns:ma="http://schemas.microsoft.com/office/2006/metadata/properties/metaAttributes" ct:_="" ma:_="" ma:contentTypeName="TemplateFile" ma:contentTypeID="0x010100DE95A0C693CEB341887D38A4A2B58B45040072C752107C5A7B47AA91A1EE638E6F1F" ma:contentTypeVersion="28" ma:contentTypeDescription="Create a new document." ma:contentTypeScope="" ma:versionID="5eea76452d7eb073b41e4ecbec7235c0"/>
 </file>
 
 <file path=customXml/item2.xml><?xml version="1.0" encoding="utf-8"?>
@@ -7007,14 +7359,14 @@
 </file>
 
 <file path=customXml/item3.xml><?xml version="1.0" encoding="utf-8"?>
-<ct:contentTypeSchema xmlns:ct="http://schemas.microsoft.com/office/2006/metadata/contentType" xmlns:ma="http://schemas.microsoft.com/office/2006/metadata/properties/metaAttributes" ct:_="" ma:_="" ma:contentTypeName="TemplateFile" ma:contentTypeID="0x010100DE95A0C693CEB341887D38A4A2B58B45040072C752107C5A7B47AA91A1EE638E6F1F" ma:contentTypeVersion="28" ma:contentTypeDescription="Create a new document." ma:contentTypeScope="" ma:versionID="5eea76452d7eb073b41e4ecbec7235c0"/>
+<p:properties xmlns:p="http://schemas.microsoft.com/office/2006/metadata/properties" xmlns:xsi="http://www.w3.org/2001/XMLSchema-instance" xmlns:pc="http://schemas.microsoft.com/office/infopath/2007/PartnerControls"/>
 </file>
 
 <file path=customXml/itemProps1.xml><?xml version="1.0" encoding="utf-8"?>
-<ds:datastoreItem xmlns:ds="http://schemas.openxmlformats.org/officeDocument/2006/customXml" ds:itemID="{AB4217F9-B727-48C8-BB7E-D61F787E3D49}">
+<ds:datastoreItem xmlns:ds="http://schemas.openxmlformats.org/officeDocument/2006/customXml" ds:itemID="{D8CA83B5-DB53-438A-91FA-95B686ED2EC5}">
   <ds:schemaRefs>
-    <ds:schemaRef ds:uri="http://schemas.microsoft.com/office/2006/metadata/properties"/>
-    <ds:schemaRef ds:uri="http://schemas.microsoft.com/office/infopath/2007/PartnerControls"/>
+    <ds:schemaRef ds:uri="http://schemas.microsoft.com/office/2006/metadata/contentType"/>
+    <ds:schemaRef ds:uri="http://schemas.microsoft.com/office/2006/metadata/properties/metaAttributes"/>
   </ds:schemaRefs>
 </ds:datastoreItem>
 </file>
@@ -7028,10 +7380,10 @@
 </file>
 
 <file path=customXml/itemProps3.xml><?xml version="1.0" encoding="utf-8"?>
-<ds:datastoreItem xmlns:ds="http://schemas.openxmlformats.org/officeDocument/2006/customXml" ds:itemID="{D8CA83B5-DB53-438A-91FA-95B686ED2EC5}">
+<ds:datastoreItem xmlns:ds="http://schemas.openxmlformats.org/officeDocument/2006/customXml" ds:itemID="{AB4217F9-B727-48C8-BB7E-D61F787E3D49}">
   <ds:schemaRefs>
-    <ds:schemaRef ds:uri="http://schemas.microsoft.com/office/2006/metadata/contentType"/>
-    <ds:schemaRef ds:uri="http://schemas.microsoft.com/office/2006/metadata/properties/metaAttributes"/>
+    <ds:schemaRef ds:uri="http://schemas.microsoft.com/office/2006/metadata/properties"/>
+    <ds:schemaRef ds:uri="http://schemas.microsoft.com/office/infopath/2007/PartnerControls"/>
   </ds:schemaRefs>
 </ds:datastoreItem>
 </file>
--- a/Newton1/documentacion/Presentation.pptx
+++ b/Newton1/documentacion/Presentation.pptx
@@ -1956,7 +1956,7 @@
                 </a:solidFill>
               </a:rPr>
               <a:pPr/>
-              <a:t>22/06/2011 20:01</a:t>
+              <a:t>22/06/2011 23:02</a:t>
             </a:fld>
             <a:endParaRPr lang="es-ES"/>
           </a:p>
@@ -2151,7 +2151,7 @@
                 </a:solidFill>
               </a:rPr>
               <a:pPr/>
-              <a:t>22/06/2011 20:01</a:t>
+              <a:t>22/06/2011 23:02</a:t>
             </a:fld>
             <a:endParaRPr lang="es-ES"/>
           </a:p>
@@ -4592,7 +4592,7 @@
                 </a:solidFill>
               </a:rPr>
               <a:pPr/>
-              <a:t>22/06/2011 20:01</a:t>
+              <a:t>22/06/2011 23:02</a:t>
             </a:fld>
             <a:endParaRPr lang="es-ES" sz="1400">
               <a:solidFill>
@@ -5221,19 +5221,7 @@
           <a:p>
             <a:r>
               <a:rPr lang="en-US" cap="all" smtClean="0"/>
-              <a:t>Cotrina </a:t>
-            </a:r>
-            <a:r>
-              <a:rPr lang="en-US" cap="all" smtClean="0"/>
-              <a:t>Fernández</a:t>
-            </a:r>
-            <a:r>
-              <a:rPr lang="en-US" cap="all" smtClean="0"/>
-              <a:t>, </a:t>
-            </a:r>
-            <a:r>
-              <a:rPr lang="en-US" cap="all" smtClean="0"/>
-              <a:t>Manuel</a:t>
+              <a:t>Cotrina Fernández, Manuel</a:t>
             </a:r>
             <a:endParaRPr lang="en-US" cap="all"/>
           </a:p>
@@ -5281,13 +5269,8 @@
             </a:r>
             <a:r>
               <a:rPr lang="en-US" sz="1200" cap="all" smtClean="0"/>
-              <a:t>, </a:t>
-            </a:r>
-            <a:r>
-              <a:rPr lang="en-US" sz="1200" cap="all" smtClean="0"/>
-              <a:t>Javier</a:t>
-            </a:r>
-            <a:endParaRPr lang="en-US" sz="1200" cap="all" smtClean="0"/>
+              <a:t>, Javier</a:t>
+            </a:r>
           </a:p>
           <a:p>
             <a:pPr>
@@ -5297,19 +5280,7 @@
             </a:pPr>
             <a:r>
               <a:rPr lang="en-US" sz="1200" cap="all" smtClean="0"/>
-              <a:t>Hijarrubia </a:t>
-            </a:r>
-            <a:r>
-              <a:rPr lang="en-US" sz="1200" cap="all" smtClean="0"/>
-              <a:t>Bernal</a:t>
-            </a:r>
-            <a:r>
-              <a:rPr lang="en-US" sz="1200" cap="all" smtClean="0"/>
-              <a:t>, </a:t>
-            </a:r>
-            <a:r>
-              <a:rPr lang="en-US" sz="1200" cap="all" smtClean="0"/>
-              <a:t>Luis</a:t>
+              <a:t>Hijarrubia Bernal, Luis</a:t>
             </a:r>
             <a:endParaRPr lang="en-US" sz="1200" cap="all"/>
           </a:p>
@@ -5323,8 +5294,8 @@
         </p:nvSpPr>
         <p:spPr>
           <a:xfrm>
-            <a:off x="2771800" y="5229200"/>
-            <a:ext cx="5616624" cy="461665"/>
+            <a:off x="2987824" y="5229200"/>
+            <a:ext cx="3168352" cy="461665"/>
           </a:xfrm>
           <a:prstGeom prst="rect">
             <a:avLst/>
@@ -5338,18 +5309,22 @@
           <a:lstStyle/>
           <a:p>
             <a:r>
-              <a:rPr lang="en-US" sz="2400" smtClean="0"/>
-              <a:t>An</a:t>
-            </a:r>
-            <a:r>
-              <a:rPr lang="en-US" sz="2400" smtClean="0"/>
-              <a:t> OpenGL </a:t>
-            </a:r>
-            <a:r>
-              <a:rPr lang="en-US" sz="2400" smtClean="0"/>
-              <a:t>Application</a:t>
-            </a:r>
-            <a:endParaRPr lang="en-US" sz="2400"/>
+              <a:rPr lang="en-US" sz="2400" dirty="0" smtClean="0"/>
+              <a:t>b</a:t>
+            </a:r>
+            <a:r>
+              <a:rPr lang="en-US" sz="2400" dirty="0" smtClean="0"/>
+              <a:t>y </a:t>
+            </a:r>
+            <a:r>
+              <a:rPr lang="en-US" sz="2400" dirty="0" err="1" smtClean="0"/>
+              <a:t>Aldearaban</a:t>
+            </a:r>
+            <a:r>
+              <a:rPr lang="en-US" sz="2400" dirty="0" smtClean="0"/>
+              <a:t> group</a:t>
+            </a:r>
+            <a:endParaRPr lang="en-US" sz="2400" dirty="0"/>
           </a:p>
         </p:txBody>
       </p:sp>
@@ -5481,7 +5456,7 @@
           </p:nvPr>
         </p:nvPicPr>
         <p:blipFill>
-          <a:blip r:embed="rId3"/>
+          <a:blip r:embed="rId3" cstate="print"/>
           <a:srcRect/>
           <a:stretch>
             <a:fillRect/>
@@ -5490,7 +5465,7 @@
         <p:spPr bwMode="auto">
           <a:xfrm>
             <a:off x="1677957" y="1643050"/>
-            <a:ext cx="5894439" cy="5060783"/>
+            <a:ext cx="5846371" cy="5019513"/>
           </a:xfrm>
           <a:prstGeom prst="rect">
             <a:avLst/>
@@ -5577,37 +5552,13 @@
           <a:p>
             <a:r>
               <a:rPr lang="en-US" dirty="0" smtClean="0"/>
-              <a:t>Acquired </a:t>
-            </a:r>
+              <a:t>Acquired the knowledge required</a:t>
+            </a:r>
+          </a:p>
+          <a:p>
             <a:r>
               <a:rPr lang="en-US" dirty="0" smtClean="0"/>
-              <a:t>the knowledge </a:t>
-            </a:r>
-            <a:r>
-              <a:rPr lang="en-US" dirty="0" smtClean="0"/>
-              <a:t>required</a:t>
-            </a:r>
-          </a:p>
-          <a:p>
-            <a:r>
-              <a:rPr lang="en-US" dirty="0" smtClean="0"/>
-              <a:t>Takes </a:t>
-            </a:r>
-            <a:r>
-              <a:rPr lang="en-US" dirty="0" smtClean="0"/>
-              <a:t>advantage of </a:t>
-            </a:r>
-            <a:r>
-              <a:rPr lang="en-US" dirty="0" smtClean="0"/>
-              <a:t>the different capabilities usually used in an </a:t>
-            </a:r>
-            <a:r>
-              <a:rPr lang="en-US" dirty="0" smtClean="0"/>
-              <a:t>interactive multimedia </a:t>
-            </a:r>
-            <a:r>
-              <a:rPr lang="en-US" dirty="0" smtClean="0"/>
-              <a:t>system</a:t>
+              <a:t>Takes advantage of the different capabilities usually used in an interactive multimedia system</a:t>
             </a:r>
           </a:p>
           <a:p>
@@ -5680,25 +5631,38 @@
           </a:p>
         </p:txBody>
       </p:sp>
-      <p:sp>
-        <p:nvSpPr>
-          <p:cNvPr id="4" name="3 Marcador de contenido"/>
-          <p:cNvSpPr>
-            <a:spLocks noGrp="1"/>
-          </p:cNvSpPr>
-          <p:nvPr>
-            <p:ph sz="quarter" idx="1"/>
-          </p:nvPr>
-        </p:nvSpPr>
-        <p:spPr/>
-        <p:txBody>
-          <a:bodyPr/>
-          <a:lstStyle/>
-          <a:p>
-            <a:endParaRPr lang="en-US" dirty="0"/>
-          </a:p>
-        </p:txBody>
-      </p:sp>
+      <p:pic>
+        <p:nvPicPr>
+          <p:cNvPr id="5" name="Picture 4"/>
+          <p:cNvPicPr>
+            <a:picLocks noChangeAspect="1" noChangeArrowheads="1"/>
+          </p:cNvPicPr>
+          <p:nvPr/>
+        </p:nvPicPr>
+        <p:blipFill>
+          <a:blip r:embed="rId3" cstate="print"/>
+          <a:srcRect/>
+          <a:stretch>
+            <a:fillRect/>
+          </a:stretch>
+        </p:blipFill>
+        <p:spPr bwMode="auto">
+          <a:xfrm>
+            <a:off x="1907704" y="1988840"/>
+            <a:ext cx="5288352" cy="3960440"/>
+          </a:xfrm>
+          <a:prstGeom prst="rect">
+            <a:avLst/>
+          </a:prstGeom>
+          <a:noFill/>
+          <a:ln w="9525">
+            <a:noFill/>
+            <a:miter lim="800000"/>
+            <a:headEnd/>
+            <a:tailEnd/>
+          </a:ln>
+        </p:spPr>
+      </p:pic>
     </p:spTree>
   </p:cSld>
   <p:clrMapOvr>
@@ -5786,12 +5750,8 @@
           <a:p>
             <a:pPr lvl="1"/>
             <a:r>
-              <a:rPr smtClean="0"/>
-              <a:t>Energy </a:t>
-            </a:r>
-            <a:r>
-              <a:rPr smtClean="0"/>
-              <a:t>conservation law</a:t>
+              <a:rPr dirty="0" smtClean="0"/>
+              <a:t>Law of conservation of energy</a:t>
             </a:r>
             <a:endParaRPr lang="es-ES" dirty="0"/>
           </a:p>
@@ -5799,11 +5759,15 @@
             <a:pPr lvl="1"/>
             <a:r>
               <a:rPr lang="es-ES" dirty="0" err="1" smtClean="0"/>
-              <a:t>Conservation</a:t>
+              <a:t>Law</a:t>
             </a:r>
             <a:r>
               <a:rPr lang="es-ES" dirty="0" smtClean="0"/>
-              <a:t> of </a:t>
+              <a:t> </a:t>
+            </a:r>
+            <a:r>
+              <a:rPr lang="es-ES" dirty="0" smtClean="0"/>
+              <a:t>of </a:t>
             </a:r>
             <a:r>
               <a:rPr lang="es-ES" dirty="0" err="1" smtClean="0"/>
@@ -5813,8 +5777,12 @@
           </a:p>
           <a:p>
             <a:r>
+              <a:rPr lang="es-ES" dirty="0" err="1" smtClean="0"/>
+              <a:t>OpenGL</a:t>
+            </a:r>
+            <a:r>
               <a:rPr lang="es-ES" dirty="0" smtClean="0"/>
-              <a:t>Open GL </a:t>
+              <a:t> </a:t>
             </a:r>
             <a:r>
               <a:rPr lang="es-ES" dirty="0" err="1" smtClean="0"/>
@@ -5825,12 +5793,8 @@
               <a:t> Java (</a:t>
             </a:r>
             <a:r>
-              <a:rPr smtClean="0"/>
-              <a:t>J</a:t>
-            </a:r>
-            <a:r>
-              <a:rPr smtClean="0"/>
-              <a:t>O</a:t>
+              <a:rPr dirty="0" smtClean="0"/>
+              <a:t>JO</a:t>
             </a:r>
             <a:r>
               <a:rPr lang="es-ES" dirty="0" smtClean="0"/>
@@ -5876,7 +5840,7 @@
           <a:p>
             <a:pPr lvl="1"/>
             <a:r>
-              <a:rPr smtClean="0"/>
+              <a:rPr dirty="0" smtClean="0"/>
               <a:t>Number of balls</a:t>
             </a:r>
             <a:endParaRPr lang="es-ES" dirty="0"/>
@@ -5904,7 +5868,7 @@
             </a:r>
             <a:r>
               <a:rPr lang="es-ES" dirty="0" err="1" smtClean="0"/>
-              <a:t>drag</a:t>
+              <a:t>dragging</a:t>
             </a:r>
             <a:r>
               <a:rPr lang="es-ES" dirty="0" smtClean="0"/>
@@ -6051,17 +6015,17 @@
               <a:rPr lang="es-ES" dirty="0" err="1" smtClean="0"/>
               <a:t>issue</a:t>
             </a:r>
-            <a:endParaRPr smtClean="0"/>
-          </a:p>
-          <a:p>
-            <a:r>
-              <a:rPr smtClean="0"/>
+            <a:endParaRPr dirty="0" smtClean="0"/>
+          </a:p>
+          <a:p>
+            <a:r>
+              <a:rPr dirty="0" smtClean="0"/>
               <a:t>All the conditional sentences in mode change</a:t>
             </a:r>
           </a:p>
           <a:p>
             <a:r>
-              <a:rPr smtClean="0"/>
+              <a:rPr dirty="0" smtClean="0"/>
               <a:t>Display Method as simple as possible</a:t>
             </a:r>
             <a:endParaRPr lang="es-ES" dirty="0"/>
@@ -6207,6 +6171,38 @@
           </a:p>
         </p:txBody>
       </p:sp>
+      <p:pic>
+        <p:nvPicPr>
+          <p:cNvPr id="1026" name="Picture 2"/>
+          <p:cNvPicPr>
+            <a:picLocks noChangeAspect="1" noChangeArrowheads="1"/>
+          </p:cNvPicPr>
+          <p:nvPr/>
+        </p:nvPicPr>
+        <p:blipFill>
+          <a:blip r:embed="rId3" cstate="print"/>
+          <a:srcRect/>
+          <a:stretch>
+            <a:fillRect/>
+          </a:stretch>
+        </p:blipFill>
+        <p:spPr bwMode="auto">
+          <a:xfrm>
+            <a:off x="4644008" y="3573016"/>
+            <a:ext cx="3312368" cy="2546695"/>
+          </a:xfrm>
+          <a:prstGeom prst="rect">
+            <a:avLst/>
+          </a:prstGeom>
+          <a:noFill/>
+          <a:ln w="9525">
+            <a:noFill/>
+            <a:miter lim="800000"/>
+            <a:headEnd/>
+            <a:tailEnd/>
+          </a:ln>
+        </p:spPr>
+      </p:pic>
     </p:spTree>
   </p:cSld>
   <p:clrMapOvr>
@@ -6338,6 +6334,38 @@
           </a:p>
         </p:txBody>
       </p:sp>
+      <p:pic>
+        <p:nvPicPr>
+          <p:cNvPr id="2050" name="Picture 2"/>
+          <p:cNvPicPr>
+            <a:picLocks noChangeAspect="1" noChangeArrowheads="1"/>
+          </p:cNvPicPr>
+          <p:nvPr/>
+        </p:nvPicPr>
+        <p:blipFill>
+          <a:blip r:embed="rId3" cstate="print"/>
+          <a:srcRect/>
+          <a:stretch>
+            <a:fillRect/>
+          </a:stretch>
+        </p:blipFill>
+        <p:spPr bwMode="auto">
+          <a:xfrm>
+            <a:off x="5436096" y="3717032"/>
+            <a:ext cx="3206251" cy="2376264"/>
+          </a:xfrm>
+          <a:prstGeom prst="rect">
+            <a:avLst/>
+          </a:prstGeom>
+          <a:noFill/>
+          <a:ln w="9525">
+            <a:noFill/>
+            <a:miter lim="800000"/>
+            <a:headEnd/>
+            <a:tailEnd/>
+          </a:ln>
+        </p:spPr>
+      </p:pic>
     </p:spTree>
   </p:cSld>
   <p:clrMapOvr>
@@ -6546,46 +6574,55 @@
           <a:lstStyle/>
           <a:p>
             <a:r>
-              <a:rPr smtClean="0"/>
-              <a:t>Every object has material</a:t>
+              <a:rPr dirty="0" smtClean="0"/>
+              <a:t>Every object has </a:t>
+            </a:r>
+            <a:r>
+              <a:rPr dirty="0" smtClean="0"/>
+              <a:t>a material</a:t>
             </a:r>
             <a:endParaRPr lang="es-ES" dirty="0" smtClean="0"/>
           </a:p>
           <a:p>
             <a:pPr lvl="1"/>
             <a:r>
-              <a:rPr smtClean="0"/>
+              <a:rPr dirty="0" smtClean="0"/>
               <a:t>Only ball material can be changed</a:t>
             </a:r>
           </a:p>
           <a:p>
             <a:pPr lvl="1"/>
-            <a:endParaRPr smtClean="0"/>
-          </a:p>
-          <a:p>
-            <a:r>
-              <a:rPr smtClean="0"/>
+            <a:endParaRPr dirty="0" smtClean="0"/>
+          </a:p>
+          <a:p>
+            <a:r>
+              <a:rPr dirty="0" smtClean="0"/>
               <a:t>Textures</a:t>
             </a:r>
           </a:p>
           <a:p>
             <a:pPr lvl="1"/>
             <a:r>
-              <a:rPr smtClean="0"/>
-              <a:t>Cradle and desk</a:t>
-            </a:r>
+              <a:rPr dirty="0" smtClean="0"/>
+              <a:t>Cradle and </a:t>
+            </a:r>
+            <a:r>
+              <a:rPr dirty="0" smtClean="0"/>
+              <a:t>table</a:t>
+            </a:r>
+            <a:endParaRPr dirty="0" smtClean="0"/>
           </a:p>
           <a:p>
             <a:pPr lvl="1"/>
             <a:r>
-              <a:rPr smtClean="0"/>
+              <a:rPr dirty="0" smtClean="0"/>
               <a:t>Skybox</a:t>
             </a:r>
           </a:p>
           <a:p>
             <a:pPr lvl="1"/>
             <a:r>
-              <a:rPr smtClean="0"/>
+              <a:rPr dirty="0" smtClean="0"/>
               <a:t>Balls (some modes)</a:t>
             </a:r>
           </a:p>
@@ -6712,6 +6749,38 @@
           </a:p>
         </p:txBody>
       </p:sp>
+      <p:pic>
+        <p:nvPicPr>
+          <p:cNvPr id="3074" name="Picture 2"/>
+          <p:cNvPicPr>
+            <a:picLocks noChangeAspect="1" noChangeArrowheads="1"/>
+          </p:cNvPicPr>
+          <p:nvPr/>
+        </p:nvPicPr>
+        <p:blipFill>
+          <a:blip r:embed="rId3" cstate="print"/>
+          <a:srcRect/>
+          <a:stretch>
+            <a:fillRect/>
+          </a:stretch>
+        </p:blipFill>
+        <p:spPr bwMode="auto">
+          <a:xfrm>
+            <a:off x="4572000" y="3356992"/>
+            <a:ext cx="3347269" cy="2573528"/>
+          </a:xfrm>
+          <a:prstGeom prst="rect">
+            <a:avLst/>
+          </a:prstGeom>
+          <a:noFill/>
+          <a:ln w="9525">
+            <a:noFill/>
+            <a:miter lim="800000"/>
+            <a:headEnd/>
+            <a:tailEnd/>
+          </a:ln>
+        </p:spPr>
+      </p:pic>
     </p:spTree>
   </p:cSld>
   <p:clrMapOvr>
@@ -6818,6 +6887,36 @@
           </a:p>
         </p:txBody>
       </p:sp>
+      <p:pic>
+        <p:nvPicPr>
+          <p:cNvPr id="4" name="3 Imagen"/>
+          <p:cNvPicPr/>
+          <p:nvPr/>
+        </p:nvPicPr>
+        <p:blipFill>
+          <a:blip r:embed="rId3" cstate="print"/>
+          <a:srcRect/>
+          <a:stretch>
+            <a:fillRect/>
+          </a:stretch>
+        </p:blipFill>
+        <p:spPr bwMode="auto">
+          <a:xfrm>
+            <a:off x="2555776" y="4077072"/>
+            <a:ext cx="4248472" cy="1584176"/>
+          </a:xfrm>
+          <a:prstGeom prst="rect">
+            <a:avLst/>
+          </a:prstGeom>
+          <a:noFill/>
+          <a:ln w="9525">
+            <a:noFill/>
+            <a:miter lim="800000"/>
+            <a:headEnd/>
+            <a:tailEnd/>
+          </a:ln>
+        </p:spPr>
+      </p:pic>
     </p:spTree>
   </p:cSld>
   <p:clrMapOvr>
@@ -7346,7 +7445,7 @@
 </file>
 
 <file path=customXml/item1.xml><?xml version="1.0" encoding="utf-8"?>
-<ct:contentTypeSchema xmlns:ct="http://schemas.microsoft.com/office/2006/metadata/contentType" xmlns:ma="http://schemas.microsoft.com/office/2006/metadata/properties/metaAttributes" ct:_="" ma:_="" ma:contentTypeName="TemplateFile" ma:contentTypeID="0x010100DE95A0C693CEB341887D38A4A2B58B45040072C752107C5A7B47AA91A1EE638E6F1F" ma:contentTypeVersion="28" ma:contentTypeDescription="Create a new document." ma:contentTypeScope="" ma:versionID="5eea76452d7eb073b41e4ecbec7235c0"/>
+<p:properties xmlns:p="http://schemas.microsoft.com/office/2006/metadata/properties" xmlns:xsi="http://www.w3.org/2001/XMLSchema-instance" xmlns:pc="http://schemas.microsoft.com/office/infopath/2007/PartnerControls"/>
 </file>
 
 <file path=customXml/item2.xml><?xml version="1.0" encoding="utf-8"?>
@@ -7359,14 +7458,14 @@
 </file>
 
 <file path=customXml/item3.xml><?xml version="1.0" encoding="utf-8"?>
-<p:properties xmlns:p="http://schemas.microsoft.com/office/2006/metadata/properties" xmlns:xsi="http://www.w3.org/2001/XMLSchema-instance" xmlns:pc="http://schemas.microsoft.com/office/infopath/2007/PartnerControls"/>
+<ct:contentTypeSchema xmlns:ct="http://schemas.microsoft.com/office/2006/metadata/contentType" xmlns:ma="http://schemas.microsoft.com/office/2006/metadata/properties/metaAttributes" ct:_="" ma:_="" ma:contentTypeName="TemplateFile" ma:contentTypeID="0x010100DE95A0C693CEB341887D38A4A2B58B45040072C752107C5A7B47AA91A1EE638E6F1F" ma:contentTypeVersion="28" ma:contentTypeDescription="Create a new document." ma:contentTypeScope="" ma:versionID="5eea76452d7eb073b41e4ecbec7235c0"/>
 </file>
 
 <file path=customXml/itemProps1.xml><?xml version="1.0" encoding="utf-8"?>
-<ds:datastoreItem xmlns:ds="http://schemas.openxmlformats.org/officeDocument/2006/customXml" ds:itemID="{D8CA83B5-DB53-438A-91FA-95B686ED2EC5}">
+<ds:datastoreItem xmlns:ds="http://schemas.openxmlformats.org/officeDocument/2006/customXml" ds:itemID="{AB4217F9-B727-48C8-BB7E-D61F787E3D49}">
   <ds:schemaRefs>
-    <ds:schemaRef ds:uri="http://schemas.microsoft.com/office/2006/metadata/contentType"/>
-    <ds:schemaRef ds:uri="http://schemas.microsoft.com/office/2006/metadata/properties/metaAttributes"/>
+    <ds:schemaRef ds:uri="http://schemas.microsoft.com/office/2006/metadata/properties"/>
+    <ds:schemaRef ds:uri="http://schemas.microsoft.com/office/infopath/2007/PartnerControls"/>
   </ds:schemaRefs>
 </ds:datastoreItem>
 </file>
@@ -7380,10 +7479,10 @@
 </file>
 
 <file path=customXml/itemProps3.xml><?xml version="1.0" encoding="utf-8"?>
-<ds:datastoreItem xmlns:ds="http://schemas.openxmlformats.org/officeDocument/2006/customXml" ds:itemID="{AB4217F9-B727-48C8-BB7E-D61F787E3D49}">
+<ds:datastoreItem xmlns:ds="http://schemas.openxmlformats.org/officeDocument/2006/customXml" ds:itemID="{D8CA83B5-DB53-438A-91FA-95B686ED2EC5}">
   <ds:schemaRefs>
-    <ds:schemaRef ds:uri="http://schemas.microsoft.com/office/2006/metadata/properties"/>
-    <ds:schemaRef ds:uri="http://schemas.microsoft.com/office/infopath/2007/PartnerControls"/>
+    <ds:schemaRef ds:uri="http://schemas.microsoft.com/office/2006/metadata/contentType"/>
+    <ds:schemaRef ds:uri="http://schemas.microsoft.com/office/2006/metadata/properties/metaAttributes"/>
   </ds:schemaRefs>
 </ds:datastoreItem>
 </file>